--- a/Dokumentation + Diagramme etc/Aktivitätsdiagramm.pptx
+++ b/Dokumentation + Diagramme etc/Aktivitätsdiagramm.pptx
@@ -291,7 +291,7 @@
     </p:spTree>
     <p:extLst>
       <p:ext uri="{BB962C8B-B14F-4D97-AF65-F5344CB8AC3E}">
-        <p14:creationId xmlns:p14="http://schemas.microsoft.com/office/powerpoint/2010/main" xmlns="" val="2151534791"/>
+        <p14:creationId xmlns="" xmlns:p14="http://schemas.microsoft.com/office/powerpoint/2010/main" val="2151534791"/>
       </p:ext>
     </p:extLst>
   </p:cSld>
@@ -463,7 +463,7 @@
     </p:spTree>
     <p:extLst>
       <p:ext uri="{BB962C8B-B14F-4D97-AF65-F5344CB8AC3E}">
-        <p14:creationId xmlns:p14="http://schemas.microsoft.com/office/powerpoint/2010/main" xmlns="" val="2851948966"/>
+        <p14:creationId xmlns="" xmlns:p14="http://schemas.microsoft.com/office/powerpoint/2010/main" val="2851948966"/>
       </p:ext>
     </p:extLst>
   </p:cSld>
@@ -645,7 +645,7 @@
     </p:spTree>
     <p:extLst>
       <p:ext uri="{BB962C8B-B14F-4D97-AF65-F5344CB8AC3E}">
-        <p14:creationId xmlns:p14="http://schemas.microsoft.com/office/powerpoint/2010/main" xmlns="" val="3084172610"/>
+        <p14:creationId xmlns="" xmlns:p14="http://schemas.microsoft.com/office/powerpoint/2010/main" val="3084172610"/>
       </p:ext>
     </p:extLst>
   </p:cSld>
@@ -817,7 +817,7 @@
     </p:spTree>
     <p:extLst>
       <p:ext uri="{BB962C8B-B14F-4D97-AF65-F5344CB8AC3E}">
-        <p14:creationId xmlns:p14="http://schemas.microsoft.com/office/powerpoint/2010/main" xmlns="" val="2861639684"/>
+        <p14:creationId xmlns="" xmlns:p14="http://schemas.microsoft.com/office/powerpoint/2010/main" val="2861639684"/>
       </p:ext>
     </p:extLst>
   </p:cSld>
@@ -1065,7 +1065,7 @@
     </p:spTree>
     <p:extLst>
       <p:ext uri="{BB962C8B-B14F-4D97-AF65-F5344CB8AC3E}">
-        <p14:creationId xmlns:p14="http://schemas.microsoft.com/office/powerpoint/2010/main" xmlns="" val="1613901811"/>
+        <p14:creationId xmlns="" xmlns:p14="http://schemas.microsoft.com/office/powerpoint/2010/main" val="1613901811"/>
       </p:ext>
     </p:extLst>
   </p:cSld>
@@ -1299,7 +1299,7 @@
     </p:spTree>
     <p:extLst>
       <p:ext uri="{BB962C8B-B14F-4D97-AF65-F5344CB8AC3E}">
-        <p14:creationId xmlns:p14="http://schemas.microsoft.com/office/powerpoint/2010/main" xmlns="" val="1368996958"/>
+        <p14:creationId xmlns="" xmlns:p14="http://schemas.microsoft.com/office/powerpoint/2010/main" val="1368996958"/>
       </p:ext>
     </p:extLst>
   </p:cSld>
@@ -1668,7 +1668,7 @@
     </p:spTree>
     <p:extLst>
       <p:ext uri="{BB962C8B-B14F-4D97-AF65-F5344CB8AC3E}">
-        <p14:creationId xmlns:p14="http://schemas.microsoft.com/office/powerpoint/2010/main" xmlns="" val="875376927"/>
+        <p14:creationId xmlns="" xmlns:p14="http://schemas.microsoft.com/office/powerpoint/2010/main" val="875376927"/>
       </p:ext>
     </p:extLst>
   </p:cSld>
@@ -1788,7 +1788,7 @@
     </p:spTree>
     <p:extLst>
       <p:ext uri="{BB962C8B-B14F-4D97-AF65-F5344CB8AC3E}">
-        <p14:creationId xmlns:p14="http://schemas.microsoft.com/office/powerpoint/2010/main" xmlns="" val="3508665043"/>
+        <p14:creationId xmlns="" xmlns:p14="http://schemas.microsoft.com/office/powerpoint/2010/main" val="3508665043"/>
       </p:ext>
     </p:extLst>
   </p:cSld>
@@ -1885,7 +1885,7 @@
     </p:spTree>
     <p:extLst>
       <p:ext uri="{BB962C8B-B14F-4D97-AF65-F5344CB8AC3E}">
-        <p14:creationId xmlns:p14="http://schemas.microsoft.com/office/powerpoint/2010/main" xmlns="" val="4233885337"/>
+        <p14:creationId xmlns="" xmlns:p14="http://schemas.microsoft.com/office/powerpoint/2010/main" val="4233885337"/>
       </p:ext>
     </p:extLst>
   </p:cSld>
@@ -2164,7 +2164,7 @@
     </p:spTree>
     <p:extLst>
       <p:ext uri="{BB962C8B-B14F-4D97-AF65-F5344CB8AC3E}">
-        <p14:creationId xmlns:p14="http://schemas.microsoft.com/office/powerpoint/2010/main" xmlns="" val="3872810606"/>
+        <p14:creationId xmlns="" xmlns:p14="http://schemas.microsoft.com/office/powerpoint/2010/main" val="3872810606"/>
       </p:ext>
     </p:extLst>
   </p:cSld>
@@ -2419,7 +2419,7 @@
     </p:spTree>
     <p:extLst>
       <p:ext uri="{BB962C8B-B14F-4D97-AF65-F5344CB8AC3E}">
-        <p14:creationId xmlns:p14="http://schemas.microsoft.com/office/powerpoint/2010/main" xmlns="" val="1371472543"/>
+        <p14:creationId xmlns="" xmlns:p14="http://schemas.microsoft.com/office/powerpoint/2010/main" val="1371472543"/>
       </p:ext>
     </p:extLst>
   </p:cSld>
@@ -2670,7 +2670,7 @@
     </p:spTree>
     <p:extLst>
       <p:ext uri="{BB962C8B-B14F-4D97-AF65-F5344CB8AC3E}">
-        <p14:creationId xmlns:p14="http://schemas.microsoft.com/office/powerpoint/2010/main" xmlns="" val="2116266659"/>
+        <p14:creationId xmlns="" xmlns:p14="http://schemas.microsoft.com/office/powerpoint/2010/main" val="2116266659"/>
       </p:ext>
     </p:extLst>
   </p:cSld>
@@ -3768,8 +3768,8 @@
         </p:nvSpPr>
         <p:spPr>
           <a:xfrm>
-            <a:off x="2391589" y="-2400199"/>
-            <a:ext cx="1211480" cy="544983"/>
+            <a:off x="2235200" y="-2400199"/>
+            <a:ext cx="1645920" cy="703479"/>
           </a:xfrm>
           <a:prstGeom prst="roundRect">
             <a:avLst/>
@@ -3795,10 +3795,18 @@
           <a:p>
             <a:pPr algn="ctr"/>
             <a:r>
-              <a:rPr lang="de-DE" dirty="0" smtClean="0"/>
-              <a:t>Modus wählen</a:t>
-            </a:r>
-            <a:endParaRPr lang="de-DE" dirty="0"/>
+              <a:rPr lang="de-DE" sz="1600" dirty="0" smtClean="0"/>
+              <a:t>Neuen </a:t>
+            </a:r>
+            <a:r>
+              <a:rPr lang="de-DE" sz="1600" dirty="0" err="1" smtClean="0"/>
+              <a:t>konferenztermin</a:t>
+            </a:r>
+            <a:r>
+              <a:rPr lang="de-DE" sz="1600" dirty="0" smtClean="0"/>
+              <a:t> erstellen</a:t>
+            </a:r>
+            <a:endParaRPr lang="de-DE" sz="1600" dirty="0"/>
           </a:p>
         </p:txBody>
       </p:sp>
@@ -3810,8 +3818,8 @@
         </p:nvSpPr>
         <p:spPr>
           <a:xfrm>
-            <a:off x="2391589" y="-1485194"/>
-            <a:ext cx="1211480" cy="789014"/>
+            <a:off x="2289988" y="-1393754"/>
+            <a:ext cx="1428572" cy="789014"/>
           </a:xfrm>
           <a:prstGeom prst="roundRect">
             <a:avLst/>
@@ -3837,10 +3845,10 @@
           <a:p>
             <a:pPr algn="ctr"/>
             <a:r>
-              <a:rPr lang="de-DE" dirty="0" smtClean="0"/>
-              <a:t>Anz Spieler angeben</a:t>
-            </a:r>
-            <a:endParaRPr lang="de-DE" dirty="0"/>
+              <a:rPr lang="de-DE" sz="1600" dirty="0" smtClean="0"/>
+              <a:t>Konferenztitel wählen</a:t>
+            </a:r>
+            <a:endParaRPr lang="de-DE" sz="1600" dirty="0"/>
           </a:p>
         </p:txBody>
       </p:sp>
@@ -3852,8 +3860,8 @@
         </p:nvSpPr>
         <p:spPr>
           <a:xfrm>
-            <a:off x="2325135" y="1705257"/>
-            <a:ext cx="1211480" cy="544983"/>
+            <a:off x="2143760" y="1341121"/>
+            <a:ext cx="1696719" cy="949760"/>
           </a:xfrm>
           <a:prstGeom prst="roundRect">
             <a:avLst/>
@@ -3879,22 +3887,29 @@
           <a:p>
             <a:pPr algn="ctr"/>
             <a:r>
-              <a:rPr lang="de-DE" dirty="0" smtClean="0"/>
-              <a:t>Karten ziehen</a:t>
-            </a:r>
-            <a:endParaRPr lang="de-DE" dirty="0"/>
-          </a:p>
-        </p:txBody>
-      </p:sp>
-      <p:sp>
-        <p:nvSpPr>
-          <p:cNvPr id="33" name="Abgerundetes Rechteck 32"/>
+              <a:rPr lang="de-DE" sz="1600" dirty="0" smtClean="0"/>
+              <a:t>Moderator/</a:t>
+            </a:r>
+          </a:p>
+          <a:p>
+            <a:pPr algn="ctr"/>
+            <a:r>
+              <a:rPr lang="de-DE" sz="1600" dirty="0" smtClean="0"/>
+              <a:t>Protokollant wählen</a:t>
+            </a:r>
+            <a:endParaRPr lang="de-DE" sz="1600" dirty="0"/>
+          </a:p>
+        </p:txBody>
+      </p:sp>
+      <p:sp>
+        <p:nvSpPr>
+          <p:cNvPr id="34" name="Abgerundetes Rechteck 33"/>
           <p:cNvSpPr/>
           <p:nvPr/>
         </p:nvSpPr>
         <p:spPr>
           <a:xfrm>
-            <a:off x="5530544" y="1966385"/>
+            <a:off x="2379796" y="6858000"/>
             <a:ext cx="1211480" cy="544983"/>
           </a:xfrm>
           <a:prstGeom prst="roundRect">
@@ -3920,24 +3935,20 @@
           <a:lstStyle/>
           <a:p>
             <a:pPr algn="ctr"/>
-            <a:r>
-              <a:rPr lang="de-DE" dirty="0" smtClean="0"/>
-              <a:t>Karten mischen</a:t>
-            </a:r>
             <a:endParaRPr lang="de-DE" dirty="0"/>
           </a:p>
         </p:txBody>
       </p:sp>
       <p:sp>
         <p:nvSpPr>
-          <p:cNvPr id="34" name="Abgerundetes Rechteck 33"/>
+          <p:cNvPr id="35" name="Abgerundetes Rechteck 34"/>
           <p:cNvSpPr/>
           <p:nvPr/>
         </p:nvSpPr>
         <p:spPr>
           <a:xfrm>
-            <a:off x="5539556" y="2885654"/>
-            <a:ext cx="1211480" cy="544983"/>
+            <a:off x="5559876" y="10131115"/>
+            <a:ext cx="1216844" cy="1053186"/>
           </a:xfrm>
           <a:prstGeom prst="roundRect">
             <a:avLst/>
@@ -3963,23 +3974,23 @@
           <a:p>
             <a:pPr algn="ctr"/>
             <a:r>
-              <a:rPr lang="de-DE" dirty="0" smtClean="0"/>
-              <a:t>Karten verteilenc</a:t>
-            </a:r>
-            <a:endParaRPr lang="de-DE" dirty="0"/>
-          </a:p>
-        </p:txBody>
-      </p:sp>
-      <p:sp>
-        <p:nvSpPr>
-          <p:cNvPr id="35" name="Abgerundetes Rechteck 34"/>
+              <a:rPr lang="de-DE" sz="1600" dirty="0" smtClean="0"/>
+              <a:t>Termin zustimmen/ablehnen</a:t>
+            </a:r>
+            <a:endParaRPr lang="de-DE" sz="1600" dirty="0"/>
+          </a:p>
+        </p:txBody>
+      </p:sp>
+      <p:sp>
+        <p:nvSpPr>
+          <p:cNvPr id="36" name="Abgerundetes Rechteck 35"/>
           <p:cNvSpPr/>
           <p:nvPr/>
         </p:nvSpPr>
         <p:spPr>
           <a:xfrm>
-            <a:off x="5539556" y="3872555"/>
-            <a:ext cx="1211480" cy="1053186"/>
+            <a:off x="2194560" y="3383280"/>
+            <a:ext cx="1666239" cy="862328"/>
           </a:xfrm>
           <a:prstGeom prst="roundRect">
             <a:avLst/>
@@ -4005,23 +4016,23 @@
           <a:p>
             <a:pPr algn="ctr"/>
             <a:r>
-              <a:rPr lang="de-DE" dirty="0" smtClean="0"/>
-              <a:t>offenen Karten-stapel bilden</a:t>
-            </a:r>
-            <a:endParaRPr lang="de-DE" dirty="0"/>
-          </a:p>
-        </p:txBody>
-      </p:sp>
-      <p:sp>
-        <p:nvSpPr>
-          <p:cNvPr id="36" name="Abgerundetes Rechteck 35"/>
+              <a:rPr lang="de-DE" sz="1600" dirty="0" smtClean="0"/>
+              <a:t>Teilnehmer hinzufügen</a:t>
+            </a:r>
+            <a:endParaRPr lang="de-DE" sz="1600" dirty="0"/>
+          </a:p>
+        </p:txBody>
+      </p:sp>
+      <p:sp>
+        <p:nvSpPr>
+          <p:cNvPr id="37" name="Abgerundetes Rechteck 36"/>
           <p:cNvSpPr/>
           <p:nvPr/>
         </p:nvSpPr>
         <p:spPr>
           <a:xfrm>
-            <a:off x="2413760" y="4937448"/>
-            <a:ext cx="1281931" cy="1086160"/>
+            <a:off x="2218030" y="14571753"/>
+            <a:ext cx="1211480" cy="893037"/>
           </a:xfrm>
           <a:prstGeom prst="roundRect">
             <a:avLst/>
@@ -4048,7 +4059,7 @@
             <a:pPr algn="ctr"/>
             <a:r>
               <a:rPr lang="de-DE" dirty="0" smtClean="0"/>
-              <a:t>offene Karte auswerten</a:t>
+              <a:t>Karte zum legen wählen</a:t>
             </a:r>
             <a:endParaRPr lang="de-DE" dirty="0"/>
           </a:p>
@@ -4056,14 +4067,14 @@
       </p:sp>
       <p:sp>
         <p:nvSpPr>
-          <p:cNvPr id="37" name="Abgerundetes Rechteck 36"/>
+          <p:cNvPr id="38" name="Abgerundetes Rechteck 37"/>
           <p:cNvSpPr/>
           <p:nvPr/>
         </p:nvSpPr>
         <p:spPr>
           <a:xfrm>
-            <a:off x="2218030" y="14571753"/>
-            <a:ext cx="1211480" cy="893037"/>
+            <a:off x="2218030" y="16065639"/>
+            <a:ext cx="1211480" cy="544983"/>
           </a:xfrm>
           <a:prstGeom prst="roundRect">
             <a:avLst/>
@@ -4090,7 +4101,7 @@
             <a:pPr algn="ctr"/>
             <a:r>
               <a:rPr lang="de-DE" dirty="0" smtClean="0"/>
-              <a:t>Karte zum legen wählen</a:t>
+              <a:t>Karte ablegen</a:t>
             </a:r>
             <a:endParaRPr lang="de-DE" dirty="0"/>
           </a:p>
@@ -4098,14 +4109,14 @@
       </p:sp>
       <p:sp>
         <p:nvSpPr>
-          <p:cNvPr id="38" name="Abgerundetes Rechteck 37"/>
+          <p:cNvPr id="39" name="Abgerundetes Rechteck 38"/>
           <p:cNvSpPr/>
           <p:nvPr/>
         </p:nvSpPr>
         <p:spPr>
           <a:xfrm>
-            <a:off x="2218030" y="16065639"/>
-            <a:ext cx="1211480" cy="544983"/>
+            <a:off x="5641724" y="15539186"/>
+            <a:ext cx="1211480" cy="1597888"/>
           </a:xfrm>
           <a:prstGeom prst="roundRect">
             <a:avLst/>
@@ -4132,7 +4143,7 @@
             <a:pPr algn="ctr"/>
             <a:r>
               <a:rPr lang="de-DE" dirty="0" smtClean="0"/>
-              <a:t>Karte ablegen</a:t>
+              <a:t>Karte oben auf offenen Kartenstapel legen</a:t>
             </a:r>
             <a:endParaRPr lang="de-DE" dirty="0"/>
           </a:p>
@@ -4140,14 +4151,14 @@
       </p:sp>
       <p:sp>
         <p:nvSpPr>
-          <p:cNvPr id="39" name="Abgerundetes Rechteck 38"/>
+          <p:cNvPr id="40" name="Abgerundetes Rechteck 39"/>
           <p:cNvSpPr/>
           <p:nvPr/>
         </p:nvSpPr>
         <p:spPr>
           <a:xfrm>
-            <a:off x="5641724" y="15539186"/>
-            <a:ext cx="1211480" cy="1597888"/>
+            <a:off x="2384579" y="-306513"/>
+            <a:ext cx="1211480" cy="875473"/>
           </a:xfrm>
           <a:prstGeom prst="roundRect">
             <a:avLst/>
@@ -4173,94 +4184,10 @@
           <a:p>
             <a:pPr algn="ctr"/>
             <a:r>
-              <a:rPr lang="de-DE" dirty="0" smtClean="0"/>
-              <a:t>Karte oben auf offenen Kartenstapel legen</a:t>
-            </a:r>
-            <a:endParaRPr lang="de-DE" dirty="0"/>
-          </a:p>
-        </p:txBody>
-      </p:sp>
-      <p:sp>
-        <p:nvSpPr>
-          <p:cNvPr id="40" name="Abgerundetes Rechteck 39"/>
-          <p:cNvSpPr/>
-          <p:nvPr/>
-        </p:nvSpPr>
-        <p:spPr>
-          <a:xfrm>
-            <a:off x="2384579" y="-306513"/>
-            <a:ext cx="1211480" cy="544983"/>
-          </a:xfrm>
-          <a:prstGeom prst="roundRect">
-            <a:avLst/>
-          </a:prstGeom>
-        </p:spPr>
-        <p:style>
-          <a:lnRef idx="2">
-            <a:schemeClr val="dk1"/>
-          </a:lnRef>
-          <a:fillRef idx="1">
-            <a:schemeClr val="lt1"/>
-          </a:fillRef>
-          <a:effectRef idx="0">
-            <a:schemeClr val="dk1"/>
-          </a:effectRef>
-          <a:fontRef idx="minor">
-            <a:schemeClr val="dk1"/>
-          </a:fontRef>
-        </p:style>
-        <p:txBody>
-          <a:bodyPr rtlCol="0" anchor="ctr"/>
-          <a:lstStyle/>
-          <a:p>
-            <a:pPr algn="ctr"/>
-            <a:r>
-              <a:rPr lang="de-DE" dirty="0" smtClean="0"/>
-              <a:t>Strategie wählen</a:t>
-            </a:r>
-            <a:endParaRPr lang="de-DE" dirty="0"/>
-          </a:p>
-        </p:txBody>
-      </p:sp>
-      <p:sp>
-        <p:nvSpPr>
-          <p:cNvPr id="41" name="Abgerundetes Rechteck 40"/>
-          <p:cNvSpPr/>
-          <p:nvPr/>
-        </p:nvSpPr>
-        <p:spPr>
-          <a:xfrm>
-            <a:off x="8382765" y="-272492"/>
-            <a:ext cx="1211480" cy="544983"/>
-          </a:xfrm>
-          <a:prstGeom prst="roundRect">
-            <a:avLst/>
-          </a:prstGeom>
-        </p:spPr>
-        <p:style>
-          <a:lnRef idx="2">
-            <a:schemeClr val="dk1"/>
-          </a:lnRef>
-          <a:fillRef idx="1">
-            <a:schemeClr val="lt1"/>
-          </a:fillRef>
-          <a:effectRef idx="0">
-            <a:schemeClr val="dk1"/>
-          </a:effectRef>
-          <a:fontRef idx="minor">
-            <a:schemeClr val="dk1"/>
-          </a:fontRef>
-        </p:style>
-        <p:txBody>
-          <a:bodyPr rtlCol="0" anchor="ctr"/>
-          <a:lstStyle/>
-          <a:p>
-            <a:pPr algn="ctr"/>
-            <a:r>
-              <a:rPr lang="de-DE" dirty="0" smtClean="0"/>
-              <a:t>Strategie geben</a:t>
-            </a:r>
-            <a:endParaRPr lang="de-DE" dirty="0"/>
+              <a:rPr lang="de-DE" sz="1600" dirty="0" smtClean="0"/>
+              <a:t>Konferenz Datum wählen</a:t>
+            </a:r>
+            <a:endParaRPr lang="de-DE" sz="1600" dirty="0"/>
           </a:p>
         </p:txBody>
       </p:sp>
@@ -4274,9 +4201,9 @@
           <p:nvPr/>
         </p:nvCxnSpPr>
         <p:spPr>
-          <a:xfrm>
-            <a:off x="345100" y="-2444278"/>
-            <a:ext cx="2046489" cy="316571"/>
+          <a:xfrm rot="16200000" flipH="1">
+            <a:off x="1092241" y="-3191419"/>
+            <a:ext cx="395819" cy="1890100"/>
           </a:xfrm>
           <a:prstGeom prst="straightConnector1">
             <a:avLst/>
@@ -4310,9 +4237,9 @@
           <p:nvPr/>
         </p:nvCxnSpPr>
         <p:spPr>
-          <a:xfrm>
-            <a:off x="2997329" y="-1855216"/>
-            <a:ext cx="0" cy="370022"/>
+          <a:xfrm rot="5400000">
+            <a:off x="2879734" y="-1572180"/>
+            <a:ext cx="302966" cy="53886"/>
           </a:xfrm>
           <a:prstGeom prst="straightConnector1">
             <a:avLst/>
@@ -4346,9 +4273,9 @@
           <p:nvPr/>
         </p:nvCxnSpPr>
         <p:spPr>
-          <a:xfrm flipH="1">
-            <a:off x="2990319" y="-696180"/>
-            <a:ext cx="7010" cy="389667"/>
+          <a:xfrm rot="5400000">
+            <a:off x="2848184" y="-462604"/>
+            <a:ext cx="298227" cy="13955"/>
           </a:xfrm>
           <a:prstGeom prst="straightConnector1">
             <a:avLst/>
@@ -4376,58 +4303,20 @@
         <p:nvCxnSpPr>
           <p:cNvPr id="50" name="Gerade Verbindung mit Pfeil 49"/>
           <p:cNvCxnSpPr>
-            <a:stCxn id="40" idx="3"/>
-            <a:endCxn id="41" idx="1"/>
-          </p:cNvCxnSpPr>
-          <p:nvPr/>
-        </p:nvCxnSpPr>
-        <p:spPr>
-          <a:xfrm>
-            <a:off x="3596059" y="-34021"/>
-            <a:ext cx="4786706" cy="34021"/>
-          </a:xfrm>
-          <a:prstGeom prst="straightConnector1">
-            <a:avLst/>
-          </a:prstGeom>
-          <a:ln w="6350">
-            <a:tailEnd type="arrow"/>
-          </a:ln>
-        </p:spPr>
-        <p:style>
-          <a:lnRef idx="1">
-            <a:schemeClr val="dk1"/>
-          </a:lnRef>
-          <a:fillRef idx="0">
-            <a:schemeClr val="dk1"/>
-          </a:fillRef>
-          <a:effectRef idx="0">
-            <a:schemeClr val="dk1"/>
-          </a:effectRef>
-          <a:fontRef idx="minor">
-            <a:schemeClr val="tx1"/>
-          </a:fontRef>
-        </p:style>
-      </p:cxnSp>
-      <p:cxnSp>
-        <p:nvCxnSpPr>
-          <p:cNvPr id="52" name="Gewinkelter Verbinder 51"/>
-          <p:cNvCxnSpPr>
-            <a:stCxn id="41" idx="2"/>
+            <a:stCxn id="40" idx="2"/>
             <a:endCxn id="31" idx="0"/>
           </p:cNvCxnSpPr>
           <p:nvPr/>
         </p:nvCxnSpPr>
         <p:spPr>
-          <a:xfrm rot="5400000">
-            <a:off x="5243307" y="-2039941"/>
-            <a:ext cx="1432766" cy="6057630"/>
-          </a:xfrm>
-          <a:prstGeom prst="bentConnector3">
-            <a:avLst>
-              <a:gd name="adj1" fmla="val 50000"/>
-            </a:avLst>
-          </a:prstGeom>
-          <a:ln>
+          <a:xfrm rot="16200000" flipH="1">
+            <a:off x="2605139" y="954139"/>
+            <a:ext cx="772161" cy="1801"/>
+          </a:xfrm>
+          <a:prstGeom prst="straightConnector1">
+            <a:avLst/>
+          </a:prstGeom>
+          <a:ln w="6350">
             <a:tailEnd type="arrow"/>
           </a:ln>
         </p:spPr>
@@ -4450,15 +4339,15 @@
         <p:nvCxnSpPr>
           <p:cNvPr id="57" name="Gerade Verbindung mit Pfeil 56"/>
           <p:cNvCxnSpPr>
-            <a:stCxn id="33" idx="2"/>
-            <a:endCxn id="34" idx="0"/>
+            <a:stCxn id="36" idx="2"/>
+            <a:endCxn id="99" idx="0"/>
           </p:cNvCxnSpPr>
           <p:nvPr/>
         </p:nvCxnSpPr>
         <p:spPr>
-          <a:xfrm>
-            <a:off x="6136284" y="2511368"/>
-            <a:ext cx="9012" cy="374286"/>
+          <a:xfrm rot="5400000">
+            <a:off x="2606311" y="4636497"/>
+            <a:ext cx="812258" cy="30480"/>
           </a:xfrm>
           <a:prstGeom prst="straightConnector1">
             <a:avLst/>
@@ -4468,162 +4357,6 @@
               <a:schemeClr val="tx1"/>
             </a:solidFill>
             <a:tailEnd type="arrow"/>
-          </a:ln>
-        </p:spPr>
-        <p:style>
-          <a:lnRef idx="1">
-            <a:schemeClr val="accent1"/>
-          </a:lnRef>
-          <a:fillRef idx="0">
-            <a:schemeClr val="accent1"/>
-          </a:fillRef>
-          <a:effectRef idx="0">
-            <a:schemeClr val="accent1"/>
-          </a:effectRef>
-          <a:fontRef idx="minor">
-            <a:schemeClr val="tx1"/>
-          </a:fontRef>
-        </p:style>
-      </p:cxnSp>
-      <p:cxnSp>
-        <p:nvCxnSpPr>
-          <p:cNvPr id="59" name="Gewinkelter Verbinder 58"/>
-          <p:cNvCxnSpPr>
-            <a:stCxn id="31" idx="2"/>
-            <a:endCxn id="34" idx="1"/>
-          </p:cNvCxnSpPr>
-          <p:nvPr/>
-        </p:nvCxnSpPr>
-        <p:spPr>
-          <a:xfrm rot="16200000" flipH="1">
-            <a:off x="3781262" y="1399852"/>
-            <a:ext cx="907906" cy="2608681"/>
-          </a:xfrm>
-          <a:prstGeom prst="bentConnector2">
-            <a:avLst/>
-          </a:prstGeom>
-          <a:ln>
-            <a:solidFill>
-              <a:schemeClr val="tx1"/>
-            </a:solidFill>
-            <a:tailEnd type="arrow"/>
-          </a:ln>
-        </p:spPr>
-        <p:style>
-          <a:lnRef idx="1">
-            <a:schemeClr val="accent1"/>
-          </a:lnRef>
-          <a:fillRef idx="0">
-            <a:schemeClr val="accent1"/>
-          </a:fillRef>
-          <a:effectRef idx="0">
-            <a:schemeClr val="accent1"/>
-          </a:effectRef>
-          <a:fontRef idx="minor">
-            <a:schemeClr val="tx1"/>
-          </a:fontRef>
-        </p:style>
-      </p:cxnSp>
-      <p:cxnSp>
-        <p:nvCxnSpPr>
-          <p:cNvPr id="61" name="Gerade Verbindung mit Pfeil 60"/>
-          <p:cNvCxnSpPr>
-            <a:stCxn id="34" idx="2"/>
-            <a:endCxn id="35" idx="0"/>
-          </p:cNvCxnSpPr>
-          <p:nvPr/>
-        </p:nvCxnSpPr>
-        <p:spPr>
-          <a:xfrm>
-            <a:off x="6145296" y="3430637"/>
-            <a:ext cx="0" cy="441918"/>
-          </a:xfrm>
-          <a:prstGeom prst="straightConnector1">
-            <a:avLst/>
-          </a:prstGeom>
-          <a:ln>
-            <a:solidFill>
-              <a:schemeClr val="tx1"/>
-            </a:solidFill>
-            <a:tailEnd type="arrow"/>
-          </a:ln>
-        </p:spPr>
-        <p:style>
-          <a:lnRef idx="1">
-            <a:schemeClr val="accent1"/>
-          </a:lnRef>
-          <a:fillRef idx="0">
-            <a:schemeClr val="accent1"/>
-          </a:fillRef>
-          <a:effectRef idx="0">
-            <a:schemeClr val="accent1"/>
-          </a:effectRef>
-          <a:fontRef idx="minor">
-            <a:schemeClr val="tx1"/>
-          </a:fontRef>
-        </p:style>
-      </p:cxnSp>
-      <p:cxnSp>
-        <p:nvCxnSpPr>
-          <p:cNvPr id="63" name="Gerade Verbindung mit Pfeil 62"/>
-          <p:cNvCxnSpPr>
-            <a:stCxn id="35" idx="1"/>
-            <a:endCxn id="264" idx="3"/>
-          </p:cNvCxnSpPr>
-          <p:nvPr/>
-        </p:nvCxnSpPr>
-        <p:spPr>
-          <a:xfrm flipH="1">
-            <a:off x="3324141" y="4399148"/>
-            <a:ext cx="2215415" cy="11848"/>
-          </a:xfrm>
-          <a:prstGeom prst="straightConnector1">
-            <a:avLst/>
-          </a:prstGeom>
-          <a:ln>
-            <a:solidFill>
-              <a:schemeClr val="tx1"/>
-            </a:solidFill>
-            <a:tailEnd type="arrow"/>
-          </a:ln>
-        </p:spPr>
-        <p:style>
-          <a:lnRef idx="1">
-            <a:schemeClr val="accent1"/>
-          </a:lnRef>
-          <a:fillRef idx="0">
-            <a:schemeClr val="accent1"/>
-          </a:fillRef>
-          <a:effectRef idx="0">
-            <a:schemeClr val="accent1"/>
-          </a:effectRef>
-          <a:fontRef idx="minor">
-            <a:schemeClr val="tx1"/>
-          </a:fontRef>
-        </p:style>
-      </p:cxnSp>
-      <p:cxnSp>
-        <p:nvCxnSpPr>
-          <p:cNvPr id="65" name="Gerade Verbindung mit Pfeil 64"/>
-          <p:cNvCxnSpPr>
-            <a:stCxn id="36" idx="2"/>
-            <a:endCxn id="83" idx="0"/>
-          </p:cNvCxnSpPr>
-          <p:nvPr/>
-        </p:nvCxnSpPr>
-        <p:spPr>
-          <a:xfrm flipH="1">
-            <a:off x="3054725" y="6023608"/>
-            <a:ext cx="1" cy="600849"/>
-          </a:xfrm>
-          <a:prstGeom prst="straightConnector1">
-            <a:avLst/>
-          </a:prstGeom>
-          <a:ln>
-            <a:solidFill>
-              <a:schemeClr val="tx1"/>
-            </a:solidFill>
-            <a:tailEnd type="triangle"/>
           </a:ln>
         </p:spPr>
         <p:style>
@@ -4721,16 +4454,16 @@
       </p:cxnSp>
       <p:sp>
         <p:nvSpPr>
-          <p:cNvPr id="83" name="Raute 82"/>
+          <p:cNvPr id="99" name="Abgerundetes Rechteck 98"/>
           <p:cNvSpPr/>
           <p:nvPr/>
         </p:nvSpPr>
         <p:spPr>
           <a:xfrm>
-            <a:off x="2771549" y="6624457"/>
-            <a:ext cx="566352" cy="727578"/>
-          </a:xfrm>
-          <a:prstGeom prst="diamond">
+            <a:off x="2306320" y="5057866"/>
+            <a:ext cx="1381759" cy="798237"/>
+          </a:xfrm>
+          <a:prstGeom prst="roundRect">
             <a:avLst/>
           </a:prstGeom>
         </p:spPr>
@@ -4753,89 +4486,24 @@
           <a:lstStyle/>
           <a:p>
             <a:pPr algn="ctr"/>
-            <a:endParaRPr lang="de-DE"/>
-          </a:p>
-        </p:txBody>
-      </p:sp>
-      <p:cxnSp>
-        <p:nvCxnSpPr>
-          <p:cNvPr id="97" name="Gewinkelter Verbinder 96"/>
-          <p:cNvCxnSpPr>
-            <a:stCxn id="83" idx="1"/>
-            <a:endCxn id="104" idx="0"/>
-          </p:cNvCxnSpPr>
-          <p:nvPr/>
-        </p:nvCxnSpPr>
-        <p:spPr>
-          <a:xfrm rot="10800000" flipH="1" flipV="1">
-            <a:off x="2771549" y="6988246"/>
-            <a:ext cx="283176" cy="2509668"/>
-          </a:xfrm>
-          <a:prstGeom prst="bentConnector4">
-            <a:avLst>
-              <a:gd name="adj1" fmla="val -191576"/>
-              <a:gd name="adj2" fmla="val 88245"/>
-            </a:avLst>
-          </a:prstGeom>
-          <a:ln>
-            <a:tailEnd type="arrow"/>
-          </a:ln>
-        </p:spPr>
-        <p:style>
-          <a:lnRef idx="1">
-            <a:schemeClr val="dk1"/>
-          </a:lnRef>
-          <a:fillRef idx="0">
-            <a:schemeClr val="dk1"/>
-          </a:fillRef>
-          <a:effectRef idx="0">
-            <a:schemeClr val="dk1"/>
-          </a:effectRef>
-          <a:fontRef idx="minor">
-            <a:schemeClr val="tx1"/>
-          </a:fontRef>
-        </p:style>
-      </p:cxnSp>
-      <p:sp>
-        <p:nvSpPr>
-          <p:cNvPr id="98" name="Textfeld 97"/>
-          <p:cNvSpPr txBox="1"/>
-          <p:nvPr/>
-        </p:nvSpPr>
-        <p:spPr>
-          <a:xfrm>
-            <a:off x="3251892" y="6569164"/>
-            <a:ext cx="1239533" cy="307777"/>
-          </a:xfrm>
-          <a:prstGeom prst="rect">
-            <a:avLst/>
-          </a:prstGeom>
-          <a:noFill/>
-        </p:spPr>
-        <p:txBody>
-          <a:bodyPr wrap="square" rtlCol="0">
-            <a:spAutoFit/>
-          </a:bodyPr>
-          <a:lstStyle/>
-          <a:p>
-            <a:r>
-              <a:rPr lang="de-DE" sz="1400" dirty="0" smtClean="0"/>
-              <a:t>[Karte == 7]</a:t>
-            </a:r>
-            <a:endParaRPr lang="de-DE" sz="1400" dirty="0"/>
-          </a:p>
-        </p:txBody>
-      </p:sp>
-      <p:sp>
-        <p:nvSpPr>
-          <p:cNvPr id="99" name="Abgerundetes Rechteck 98"/>
+            <a:r>
+              <a:rPr lang="de-DE" sz="1600" dirty="0" smtClean="0"/>
+              <a:t>Einladung versenden</a:t>
+            </a:r>
+            <a:endParaRPr lang="de-DE" sz="1600" dirty="0"/>
+          </a:p>
+        </p:txBody>
+      </p:sp>
+      <p:sp>
+        <p:nvSpPr>
+          <p:cNvPr id="111" name="Abgerundetes Rechteck 110"/>
           <p:cNvSpPr/>
           <p:nvPr/>
         </p:nvSpPr>
         <p:spPr>
           <a:xfrm>
-            <a:off x="3141531" y="7963626"/>
-            <a:ext cx="981763" cy="798237"/>
+            <a:off x="2930874" y="10995005"/>
+            <a:ext cx="1235152" cy="430621"/>
           </a:xfrm>
           <a:prstGeom prst="roundRect">
             <a:avLst/>
@@ -4862,57 +4530,21 @@
             <a:pPr algn="ctr"/>
             <a:r>
               <a:rPr lang="de-DE" dirty="0" smtClean="0"/>
-              <a:t>Zwei Karten ziehen</a:t>
+              <a:t>Aussetzen</a:t>
             </a:r>
             <a:endParaRPr lang="de-DE" dirty="0"/>
           </a:p>
         </p:txBody>
       </p:sp>
-      <p:cxnSp>
-        <p:nvCxnSpPr>
-          <p:cNvPr id="100" name="Gewinkelter Verbinder 99"/>
-          <p:cNvCxnSpPr>
-            <a:stCxn id="83" idx="3"/>
-            <a:endCxn id="99" idx="0"/>
-          </p:cNvCxnSpPr>
-          <p:nvPr/>
-        </p:nvCxnSpPr>
-        <p:spPr>
-          <a:xfrm>
-            <a:off x="3337901" y="6988246"/>
-            <a:ext cx="294512" cy="975380"/>
-          </a:xfrm>
-          <a:prstGeom prst="bentConnector2">
-            <a:avLst/>
-          </a:prstGeom>
-          <a:ln>
-            <a:tailEnd type="arrow"/>
-          </a:ln>
-        </p:spPr>
-        <p:style>
-          <a:lnRef idx="1">
-            <a:schemeClr val="dk1"/>
-          </a:lnRef>
-          <a:fillRef idx="0">
-            <a:schemeClr val="dk1"/>
-          </a:fillRef>
-          <a:effectRef idx="0">
-            <a:schemeClr val="dk1"/>
-          </a:effectRef>
-          <a:fontRef idx="minor">
-            <a:schemeClr val="tx1"/>
-          </a:fontRef>
-        </p:style>
-      </p:cxnSp>
-      <p:sp>
-        <p:nvSpPr>
-          <p:cNvPr id="104" name="Raute 103"/>
+      <p:sp>
+        <p:nvSpPr>
+          <p:cNvPr id="118" name="Raute 117"/>
           <p:cNvSpPr/>
           <p:nvPr/>
         </p:nvSpPr>
         <p:spPr>
           <a:xfrm>
-            <a:off x="2771549" y="9497914"/>
+            <a:off x="2530180" y="17687920"/>
             <a:ext cx="566352" cy="727578"/>
           </a:xfrm>
           <a:prstGeom prst="diamond">
@@ -4939,251 +4571,6 @@
           <a:p>
             <a:pPr algn="ctr"/>
             <a:endParaRPr lang="de-DE"/>
-          </a:p>
-        </p:txBody>
-      </p:sp>
-      <p:sp>
-        <p:nvSpPr>
-          <p:cNvPr id="108" name="Textfeld 107"/>
-          <p:cNvSpPr txBox="1"/>
-          <p:nvPr/>
-        </p:nvSpPr>
-        <p:spPr>
-          <a:xfrm>
-            <a:off x="2113836" y="6581873"/>
-            <a:ext cx="1239533" cy="307777"/>
-          </a:xfrm>
-          <a:prstGeom prst="rect">
-            <a:avLst/>
-          </a:prstGeom>
-          <a:noFill/>
-        </p:spPr>
-        <p:txBody>
-          <a:bodyPr wrap="square" rtlCol="0">
-            <a:spAutoFit/>
-          </a:bodyPr>
-          <a:lstStyle/>
-          <a:p>
-            <a:r>
-              <a:rPr lang="de-DE" sz="1400" dirty="0" smtClean="0"/>
-              <a:t>[else]</a:t>
-            </a:r>
-            <a:endParaRPr lang="de-DE" sz="1400" dirty="0"/>
-          </a:p>
-        </p:txBody>
-      </p:sp>
-      <p:cxnSp>
-        <p:nvCxnSpPr>
-          <p:cNvPr id="109" name="Gewinkelter Verbinder 108"/>
-          <p:cNvCxnSpPr>
-            <a:stCxn id="104" idx="3"/>
-            <a:endCxn id="111" idx="0"/>
-          </p:cNvCxnSpPr>
-          <p:nvPr/>
-        </p:nvCxnSpPr>
-        <p:spPr>
-          <a:xfrm>
-            <a:off x="3337901" y="9861703"/>
-            <a:ext cx="210549" cy="1133302"/>
-          </a:xfrm>
-          <a:prstGeom prst="bentConnector2">
-            <a:avLst/>
-          </a:prstGeom>
-          <a:ln>
-            <a:tailEnd type="arrow"/>
-          </a:ln>
-        </p:spPr>
-        <p:style>
-          <a:lnRef idx="1">
-            <a:schemeClr val="dk1"/>
-          </a:lnRef>
-          <a:fillRef idx="0">
-            <a:schemeClr val="dk1"/>
-          </a:fillRef>
-          <a:effectRef idx="0">
-            <a:schemeClr val="dk1"/>
-          </a:effectRef>
-          <a:fontRef idx="minor">
-            <a:schemeClr val="tx1"/>
-          </a:fontRef>
-        </p:style>
-      </p:cxnSp>
-      <p:sp>
-        <p:nvSpPr>
-          <p:cNvPr id="111" name="Abgerundetes Rechteck 110"/>
-          <p:cNvSpPr/>
-          <p:nvPr/>
-        </p:nvSpPr>
-        <p:spPr>
-          <a:xfrm>
-            <a:off x="2930874" y="10995005"/>
-            <a:ext cx="1235152" cy="430621"/>
-          </a:xfrm>
-          <a:prstGeom prst="roundRect">
-            <a:avLst/>
-          </a:prstGeom>
-        </p:spPr>
-        <p:style>
-          <a:lnRef idx="2">
-            <a:schemeClr val="dk1"/>
-          </a:lnRef>
-          <a:fillRef idx="1">
-            <a:schemeClr val="lt1"/>
-          </a:fillRef>
-          <a:effectRef idx="0">
-            <a:schemeClr val="dk1"/>
-          </a:effectRef>
-          <a:fontRef idx="minor">
-            <a:schemeClr val="dk1"/>
-          </a:fontRef>
-        </p:style>
-        <p:txBody>
-          <a:bodyPr rtlCol="0" anchor="ctr"/>
-          <a:lstStyle/>
-          <a:p>
-            <a:pPr algn="ctr"/>
-            <a:r>
-              <a:rPr lang="de-DE" dirty="0" smtClean="0"/>
-              <a:t>Aussetzen</a:t>
-            </a:r>
-            <a:endParaRPr lang="de-DE" dirty="0"/>
-          </a:p>
-        </p:txBody>
-      </p:sp>
-      <p:cxnSp>
-        <p:nvCxnSpPr>
-          <p:cNvPr id="114" name="Gewinkelter Verbinder 113"/>
-          <p:cNvCxnSpPr>
-            <a:stCxn id="104" idx="1"/>
-            <a:endCxn id="146" idx="0"/>
-          </p:cNvCxnSpPr>
-          <p:nvPr/>
-        </p:nvCxnSpPr>
-        <p:spPr>
-          <a:xfrm rot="10800000" flipH="1" flipV="1">
-            <a:off x="2771549" y="9861702"/>
-            <a:ext cx="53730" cy="2476729"/>
-          </a:xfrm>
-          <a:prstGeom prst="bentConnector4">
-            <a:avLst>
-              <a:gd name="adj1" fmla="val -933473"/>
-              <a:gd name="adj2" fmla="val 81039"/>
-            </a:avLst>
-          </a:prstGeom>
-          <a:ln>
-            <a:tailEnd type="arrow"/>
-          </a:ln>
-        </p:spPr>
-        <p:style>
-          <a:lnRef idx="1">
-            <a:schemeClr val="dk1"/>
-          </a:lnRef>
-          <a:fillRef idx="0">
-            <a:schemeClr val="dk1"/>
-          </a:fillRef>
-          <a:effectRef idx="0">
-            <a:schemeClr val="dk1"/>
-          </a:effectRef>
-          <a:fontRef idx="minor">
-            <a:schemeClr val="tx1"/>
-          </a:fontRef>
-        </p:style>
-      </p:cxnSp>
-      <p:sp>
-        <p:nvSpPr>
-          <p:cNvPr id="118" name="Raute 117"/>
-          <p:cNvSpPr/>
-          <p:nvPr/>
-        </p:nvSpPr>
-        <p:spPr>
-          <a:xfrm>
-            <a:off x="2530180" y="17687920"/>
-            <a:ext cx="566352" cy="727578"/>
-          </a:xfrm>
-          <a:prstGeom prst="diamond">
-            <a:avLst/>
-          </a:prstGeom>
-        </p:spPr>
-        <p:style>
-          <a:lnRef idx="2">
-            <a:schemeClr val="dk1"/>
-          </a:lnRef>
-          <a:fillRef idx="1">
-            <a:schemeClr val="lt1"/>
-          </a:fillRef>
-          <a:effectRef idx="0">
-            <a:schemeClr val="dk1"/>
-          </a:effectRef>
-          <a:fontRef idx="minor">
-            <a:schemeClr val="dk1"/>
-          </a:fontRef>
-        </p:style>
-        <p:txBody>
-          <a:bodyPr rtlCol="0" anchor="ctr"/>
-          <a:lstStyle/>
-          <a:p>
-            <a:pPr algn="ctr"/>
-            <a:endParaRPr lang="de-DE"/>
-          </a:p>
-        </p:txBody>
-      </p:sp>
-      <p:sp>
-        <p:nvSpPr>
-          <p:cNvPr id="122" name="Textfeld 121"/>
-          <p:cNvSpPr txBox="1"/>
-          <p:nvPr/>
-        </p:nvSpPr>
-        <p:spPr>
-          <a:xfrm>
-            <a:off x="2171361" y="9533879"/>
-            <a:ext cx="1239533" cy="307777"/>
-          </a:xfrm>
-          <a:prstGeom prst="rect">
-            <a:avLst/>
-          </a:prstGeom>
-          <a:noFill/>
-        </p:spPr>
-        <p:txBody>
-          <a:bodyPr wrap="square" rtlCol="0">
-            <a:spAutoFit/>
-          </a:bodyPr>
-          <a:lstStyle/>
-          <a:p>
-            <a:r>
-              <a:rPr lang="de-DE" sz="1400" dirty="0" smtClean="0"/>
-              <a:t>[else]</a:t>
-            </a:r>
-            <a:endParaRPr lang="de-DE" sz="1400" dirty="0"/>
-          </a:p>
-        </p:txBody>
-      </p:sp>
-      <p:sp>
-        <p:nvSpPr>
-          <p:cNvPr id="124" name="Textfeld 123"/>
-          <p:cNvSpPr txBox="1"/>
-          <p:nvPr/>
-        </p:nvSpPr>
-        <p:spPr>
-          <a:xfrm>
-            <a:off x="3283584" y="9532584"/>
-            <a:ext cx="1239533" cy="307777"/>
-          </a:xfrm>
-          <a:prstGeom prst="rect">
-            <a:avLst/>
-          </a:prstGeom>
-          <a:noFill/>
-        </p:spPr>
-        <p:txBody>
-          <a:bodyPr wrap="square" rtlCol="0">
-            <a:spAutoFit/>
-          </a:bodyPr>
-          <a:lstStyle/>
-          <a:p>
-            <a:r>
-              <a:rPr lang="de-DE" sz="1400" dirty="0" smtClean="0"/>
-              <a:t>[Karte == 8]</a:t>
-            </a:r>
-            <a:endParaRPr lang="de-DE" sz="1400" dirty="0"/>
           </a:p>
         </p:txBody>
       </p:sp>
@@ -5338,10 +4725,10 @@
           <a:p>
             <a:pPr algn="ctr"/>
             <a:r>
-              <a:rPr lang="de-DE" dirty="0" smtClean="0"/>
-              <a:t>Karten ausgeben</a:t>
-            </a:r>
-            <a:endParaRPr lang="de-DE" dirty="0"/>
+              <a:rPr lang="de-DE" sz="1600" dirty="0" smtClean="0"/>
+              <a:t>Termin erhalten</a:t>
+            </a:r>
+            <a:endParaRPr lang="de-DE" sz="1600" dirty="0"/>
           </a:p>
         </p:txBody>
       </p:sp>
@@ -5675,48 +5062,14 @@
           <p:nvPr/>
         </p:nvCxnSpPr>
         <p:spPr>
-          <a:xfrm flipV="1">
-            <a:off x="4123294" y="8359821"/>
-            <a:ext cx="1388357" cy="2924"/>
+          <a:xfrm>
+            <a:off x="3688079" y="5456985"/>
+            <a:ext cx="1823572" cy="2902836"/>
           </a:xfrm>
           <a:prstGeom prst="bentConnector3">
-            <a:avLst/>
-          </a:prstGeom>
-          <a:ln>
-            <a:tailEnd type="arrow"/>
-          </a:ln>
-        </p:spPr>
-        <p:style>
-          <a:lnRef idx="1">
-            <a:schemeClr val="dk1"/>
-          </a:lnRef>
-          <a:fillRef idx="0">
-            <a:schemeClr val="dk1"/>
-          </a:fillRef>
-          <a:effectRef idx="0">
-            <a:schemeClr val="dk1"/>
-          </a:effectRef>
-          <a:fontRef idx="minor">
-            <a:schemeClr val="tx1"/>
-          </a:fontRef>
-        </p:style>
-      </p:cxnSp>
-      <p:cxnSp>
-        <p:nvCxnSpPr>
-          <p:cNvPr id="175" name="Gewinkelter Verbinder 174"/>
-          <p:cNvCxnSpPr>
-            <a:stCxn id="134" idx="2"/>
-            <a:endCxn id="150" idx="3"/>
-          </p:cNvCxnSpPr>
-          <p:nvPr/>
-        </p:nvCxnSpPr>
-        <p:spPr>
-          <a:xfrm rot="5400000">
-            <a:off x="2046457" y="9693854"/>
-            <a:ext cx="5132476" cy="3009393"/>
-          </a:xfrm>
-          <a:prstGeom prst="bentConnector2">
-            <a:avLst/>
+            <a:avLst>
+              <a:gd name="adj1" fmla="val 50000"/>
+            </a:avLst>
           </a:prstGeom>
           <a:ln>
             <a:tailEnd type="arrow"/>
@@ -6361,44 +5714,6 @@
       </p:cxnSp>
       <p:cxnSp>
         <p:nvCxnSpPr>
-          <p:cNvPr id="214" name="Gewinkelter Verbinder 213"/>
-          <p:cNvCxnSpPr>
-            <a:stCxn id="199" idx="1"/>
-            <a:endCxn id="264" idx="1"/>
-          </p:cNvCxnSpPr>
-          <p:nvPr/>
-        </p:nvCxnSpPr>
-        <p:spPr>
-          <a:xfrm rot="10800000" flipH="1">
-            <a:off x="2549007" y="4410997"/>
-            <a:ext cx="208782" cy="21777561"/>
-          </a:xfrm>
-          <a:prstGeom prst="bentConnector3">
-            <a:avLst>
-              <a:gd name="adj1" fmla="val -510964"/>
-            </a:avLst>
-          </a:prstGeom>
-          <a:ln>
-            <a:tailEnd type="arrow"/>
-          </a:ln>
-        </p:spPr>
-        <p:style>
-          <a:lnRef idx="1">
-            <a:schemeClr val="dk1"/>
-          </a:lnRef>
-          <a:fillRef idx="0">
-            <a:schemeClr val="dk1"/>
-          </a:fillRef>
-          <a:effectRef idx="0">
-            <a:schemeClr val="dk1"/>
-          </a:effectRef>
-          <a:fontRef idx="minor">
-            <a:schemeClr val="tx1"/>
-          </a:fontRef>
-        </p:style>
-      </p:cxnSp>
-      <p:cxnSp>
-        <p:nvCxnSpPr>
           <p:cNvPr id="225" name="Gerade Verbindung mit Pfeil 224"/>
           <p:cNvCxnSpPr>
             <a:stCxn id="197" idx="2"/>
@@ -6702,57 +6017,19 @@
           </a:fontRef>
         </p:style>
       </p:cxnSp>
-      <p:sp>
-        <p:nvSpPr>
-          <p:cNvPr id="264" name="Raute 263"/>
-          <p:cNvSpPr/>
-          <p:nvPr/>
-        </p:nvSpPr>
-        <p:spPr>
-          <a:xfrm>
-            <a:off x="2757789" y="4047207"/>
-            <a:ext cx="566352" cy="727578"/>
-          </a:xfrm>
-          <a:prstGeom prst="diamond">
-            <a:avLst/>
-          </a:prstGeom>
-        </p:spPr>
-        <p:style>
-          <a:lnRef idx="2">
-            <a:schemeClr val="dk1"/>
-          </a:lnRef>
-          <a:fillRef idx="1">
-            <a:schemeClr val="lt1"/>
-          </a:fillRef>
-          <a:effectRef idx="0">
-            <a:schemeClr val="dk1"/>
-          </a:effectRef>
-          <a:fontRef idx="minor">
-            <a:schemeClr val="dk1"/>
-          </a:fontRef>
-        </p:style>
-        <p:txBody>
-          <a:bodyPr rtlCol="0" anchor="ctr"/>
-          <a:lstStyle/>
-          <a:p>
-            <a:pPr algn="ctr"/>
-            <a:endParaRPr lang="de-DE"/>
-          </a:p>
-        </p:txBody>
-      </p:sp>
       <p:cxnSp>
         <p:nvCxnSpPr>
           <p:cNvPr id="267" name="Gerade Verbindung mit Pfeil 266"/>
           <p:cNvCxnSpPr>
-            <a:stCxn id="264" idx="2"/>
+            <a:stCxn id="31" idx="2"/>
             <a:endCxn id="36" idx="0"/>
           </p:cNvCxnSpPr>
           <p:nvPr/>
         </p:nvCxnSpPr>
         <p:spPr>
-          <a:xfrm>
-            <a:off x="3040965" y="4774785"/>
-            <a:ext cx="13761" cy="162663"/>
+          <a:xfrm rot="16200000" flipH="1">
+            <a:off x="2463701" y="2819300"/>
+            <a:ext cx="1092399" cy="35560"/>
           </a:xfrm>
           <a:prstGeom prst="straightConnector1">
             <a:avLst/>
@@ -6809,42 +6086,6 @@
           </a:fontRef>
         </p:style>
       </p:cxnSp>
-      <p:cxnSp>
-        <p:nvCxnSpPr>
-          <p:cNvPr id="320" name="Gewinkelter Verbinder 319"/>
-          <p:cNvCxnSpPr>
-            <a:stCxn id="21" idx="6"/>
-            <a:endCxn id="33" idx="0"/>
-          </p:cNvCxnSpPr>
-          <p:nvPr/>
-        </p:nvCxnSpPr>
-        <p:spPr>
-          <a:xfrm>
-            <a:off x="388834" y="-2550693"/>
-            <a:ext cx="5747450" cy="4517078"/>
-          </a:xfrm>
-          <a:prstGeom prst="bentConnector2">
-            <a:avLst/>
-          </a:prstGeom>
-          <a:ln>
-            <a:tailEnd type="triangle"/>
-          </a:ln>
-        </p:spPr>
-        <p:style>
-          <a:lnRef idx="1">
-            <a:schemeClr val="dk1"/>
-          </a:lnRef>
-          <a:fillRef idx="0">
-            <a:schemeClr val="dk1"/>
-          </a:fillRef>
-          <a:effectRef idx="0">
-            <a:schemeClr val="dk1"/>
-          </a:effectRef>
-          <a:fontRef idx="minor">
-            <a:schemeClr val="tx1"/>
-          </a:fontRef>
-        </p:style>
-      </p:cxnSp>
       <p:sp>
         <p:nvSpPr>
           <p:cNvPr id="322" name="Textfeld 321"/>
@@ -6875,10 +6116,46 @@
           </a:p>
         </p:txBody>
       </p:sp>
+      <p:cxnSp>
+        <p:nvCxnSpPr>
+          <p:cNvPr id="176" name="Gerade Verbindung mit Pfeil 175"/>
+          <p:cNvCxnSpPr>
+            <a:stCxn id="134" idx="2"/>
+            <a:endCxn id="35" idx="0"/>
+          </p:cNvCxnSpPr>
+          <p:nvPr/>
+        </p:nvCxnSpPr>
+        <p:spPr>
+          <a:xfrm rot="16200000" flipH="1">
+            <a:off x="5393443" y="9356259"/>
+            <a:ext cx="1498803" cy="50907"/>
+          </a:xfrm>
+          <a:prstGeom prst="straightConnector1">
+            <a:avLst/>
+          </a:prstGeom>
+          <a:ln>
+            <a:tailEnd type="arrow"/>
+          </a:ln>
+        </p:spPr>
+        <p:style>
+          <a:lnRef idx="1">
+            <a:schemeClr val="dk1"/>
+          </a:lnRef>
+          <a:fillRef idx="0">
+            <a:schemeClr val="dk1"/>
+          </a:fillRef>
+          <a:effectRef idx="0">
+            <a:schemeClr val="dk1"/>
+          </a:effectRef>
+          <a:fontRef idx="minor">
+            <a:schemeClr val="tx1"/>
+          </a:fontRef>
+        </p:style>
+      </p:cxnSp>
     </p:spTree>
     <p:extLst>
       <p:ext uri="{BB962C8B-B14F-4D97-AF65-F5344CB8AC3E}">
-        <p14:creationId xmlns:p14="http://schemas.microsoft.com/office/powerpoint/2010/main" xmlns="" val="338992622"/>
+        <p14:creationId xmlns="" xmlns:p14="http://schemas.microsoft.com/office/powerpoint/2010/main" val="338992622"/>
       </p:ext>
     </p:extLst>
   </p:cSld>
@@ -7143,7 +6420,7 @@
   <a:extraClrSchemeLst/>
   <a:extLst>
     <a:ext uri="{05A4C25C-085E-4340-85A3-A5531E510DB2}">
-      <thm15:themeFamily xmlns:thm15="http://schemas.microsoft.com/office/thememl/2012/main" xmlns="" name="Office Theme" id="{62F939B6-93AF-4DB8-9C6B-D6C7DFDC589F}" vid="{4A3C46E8-61CC-4603-A589-7422A47A8E4A}"/>
+      <thm15:themeFamily xmlns="" xmlns:thm15="http://schemas.microsoft.com/office/thememl/2012/main" name="Office Theme" id="{62F939B6-93AF-4DB8-9C6B-D6C7DFDC589F}" vid="{4A3C46E8-61CC-4603-A589-7422A47A8E4A}"/>
     </a:ext>
   </a:extLst>
 </a:theme>

--- a/Dokumentation + Diagramme etc/Aktivitätsdiagramm.pptx
+++ b/Dokumentation + Diagramme etc/Aktivitätsdiagramm.pptx
@@ -239,7 +239,7 @@
             <a:fld id="{9FEAEB3C-191D-475B-B427-BADB6BC153D0}" type="datetimeFigureOut">
               <a:rPr lang="de-DE" smtClean="0"/>
               <a:pPr/>
-              <a:t>12.11.2018</a:t>
+              <a:t>13.11.2018</a:t>
             </a:fld>
             <a:endParaRPr lang="de-DE"/>
           </a:p>
@@ -411,7 +411,7 @@
             <a:fld id="{9FEAEB3C-191D-475B-B427-BADB6BC153D0}" type="datetimeFigureOut">
               <a:rPr lang="de-DE" smtClean="0"/>
               <a:pPr/>
-              <a:t>12.11.2018</a:t>
+              <a:t>13.11.2018</a:t>
             </a:fld>
             <a:endParaRPr lang="de-DE"/>
           </a:p>
@@ -593,7 +593,7 @@
             <a:fld id="{9FEAEB3C-191D-475B-B427-BADB6BC153D0}" type="datetimeFigureOut">
               <a:rPr lang="de-DE" smtClean="0"/>
               <a:pPr/>
-              <a:t>12.11.2018</a:t>
+              <a:t>13.11.2018</a:t>
             </a:fld>
             <a:endParaRPr lang="de-DE"/>
           </a:p>
@@ -765,7 +765,7 @@
             <a:fld id="{9FEAEB3C-191D-475B-B427-BADB6BC153D0}" type="datetimeFigureOut">
               <a:rPr lang="de-DE" smtClean="0"/>
               <a:pPr/>
-              <a:t>12.11.2018</a:t>
+              <a:t>13.11.2018</a:t>
             </a:fld>
             <a:endParaRPr lang="de-DE"/>
           </a:p>
@@ -1013,7 +1013,7 @@
             <a:fld id="{9FEAEB3C-191D-475B-B427-BADB6BC153D0}" type="datetimeFigureOut">
               <a:rPr lang="de-DE" smtClean="0"/>
               <a:pPr/>
-              <a:t>12.11.2018</a:t>
+              <a:t>13.11.2018</a:t>
             </a:fld>
             <a:endParaRPr lang="de-DE"/>
           </a:p>
@@ -1247,7 +1247,7 @@
             <a:fld id="{9FEAEB3C-191D-475B-B427-BADB6BC153D0}" type="datetimeFigureOut">
               <a:rPr lang="de-DE" smtClean="0"/>
               <a:pPr/>
-              <a:t>12.11.2018</a:t>
+              <a:t>13.11.2018</a:t>
             </a:fld>
             <a:endParaRPr lang="de-DE"/>
           </a:p>
@@ -1616,7 +1616,7 @@
             <a:fld id="{9FEAEB3C-191D-475B-B427-BADB6BC153D0}" type="datetimeFigureOut">
               <a:rPr lang="de-DE" smtClean="0"/>
               <a:pPr/>
-              <a:t>12.11.2018</a:t>
+              <a:t>13.11.2018</a:t>
             </a:fld>
             <a:endParaRPr lang="de-DE"/>
           </a:p>
@@ -1736,7 +1736,7 @@
             <a:fld id="{9FEAEB3C-191D-475B-B427-BADB6BC153D0}" type="datetimeFigureOut">
               <a:rPr lang="de-DE" smtClean="0"/>
               <a:pPr/>
-              <a:t>12.11.2018</a:t>
+              <a:t>13.11.2018</a:t>
             </a:fld>
             <a:endParaRPr lang="de-DE"/>
           </a:p>
@@ -1833,7 +1833,7 @@
             <a:fld id="{9FEAEB3C-191D-475B-B427-BADB6BC153D0}" type="datetimeFigureOut">
               <a:rPr lang="de-DE" smtClean="0"/>
               <a:pPr/>
-              <a:t>12.11.2018</a:t>
+              <a:t>13.11.2018</a:t>
             </a:fld>
             <a:endParaRPr lang="de-DE"/>
           </a:p>
@@ -2112,7 +2112,7 @@
             <a:fld id="{9FEAEB3C-191D-475B-B427-BADB6BC153D0}" type="datetimeFigureOut">
               <a:rPr lang="de-DE" smtClean="0"/>
               <a:pPr/>
-              <a:t>12.11.2018</a:t>
+              <a:t>13.11.2018</a:t>
             </a:fld>
             <a:endParaRPr lang="de-DE"/>
           </a:p>
@@ -2367,7 +2367,7 @@
             <a:fld id="{9FEAEB3C-191D-475B-B427-BADB6BC153D0}" type="datetimeFigureOut">
               <a:rPr lang="de-DE" smtClean="0"/>
               <a:pPr/>
-              <a:t>12.11.2018</a:t>
+              <a:t>13.11.2018</a:t>
             </a:fld>
             <a:endParaRPr lang="de-DE"/>
           </a:p>
@@ -2582,7 +2582,7 @@
             <a:fld id="{9FEAEB3C-191D-475B-B427-BADB6BC153D0}" type="datetimeFigureOut">
               <a:rPr lang="de-DE" smtClean="0"/>
               <a:pPr/>
-              <a:t>12.11.2018</a:t>
+              <a:t>13.11.2018</a:t>
             </a:fld>
             <a:endParaRPr lang="de-DE"/>
           </a:p>
@@ -3116,8 +3116,8 @@
         </p:nvSpPr>
         <p:spPr>
           <a:xfrm>
-            <a:off x="8211639" y="-3458009"/>
-            <a:ext cx="1465243" cy="672029"/>
+            <a:off x="8148321" y="-3458009"/>
+            <a:ext cx="1528562" cy="672029"/>
           </a:xfrm>
           <a:prstGeom prst="rect">
             <a:avLst/>
@@ -3215,7 +3215,7 @@
         </p:nvCxnSpPr>
         <p:spPr>
           <a:xfrm>
-            <a:off x="8211639" y="-2785980"/>
+            <a:off x="8160839" y="-2785980"/>
             <a:ext cx="171126" cy="27384276"/>
           </a:xfrm>
           <a:prstGeom prst="line">
@@ -3796,15 +3796,7 @@
             <a:pPr algn="ctr"/>
             <a:r>
               <a:rPr lang="de-DE" sz="1600" dirty="0" smtClean="0"/>
-              <a:t>Neuen </a:t>
-            </a:r>
-            <a:r>
-              <a:rPr lang="de-DE" sz="1600" dirty="0" err="1" smtClean="0"/>
-              <a:t>konferenztermin</a:t>
-            </a:r>
-            <a:r>
-              <a:rPr lang="de-DE" sz="1600" dirty="0" smtClean="0"/>
-              <a:t> erstellen</a:t>
+              <a:t>Neuen Konferenztermin erstellen</a:t>
             </a:r>
             <a:endParaRPr lang="de-DE" sz="1600" dirty="0"/>
           </a:p>
@@ -3860,7 +3852,7 @@
         </p:nvSpPr>
         <p:spPr>
           <a:xfrm>
-            <a:off x="2143760" y="1341121"/>
+            <a:off x="2153920" y="6532881"/>
             <a:ext cx="1696719" cy="949760"/>
           </a:xfrm>
           <a:prstGeom prst="roundRect">
@@ -3903,14 +3895,14 @@
       </p:sp>
       <p:sp>
         <p:nvSpPr>
-          <p:cNvPr id="34" name="Abgerundetes Rechteck 33"/>
+          <p:cNvPr id="35" name="Abgerundetes Rechteck 34"/>
           <p:cNvSpPr/>
           <p:nvPr/>
         </p:nvSpPr>
         <p:spPr>
           <a:xfrm>
-            <a:off x="2379796" y="6858000"/>
-            <a:ext cx="1211480" cy="544983"/>
+            <a:off x="5559876" y="10131115"/>
+            <a:ext cx="1216844" cy="1053186"/>
           </a:xfrm>
           <a:prstGeom prst="roundRect">
             <a:avLst/>
@@ -3935,44 +3927,6 @@
           <a:lstStyle/>
           <a:p>
             <a:pPr algn="ctr"/>
-            <a:endParaRPr lang="de-DE" dirty="0"/>
-          </a:p>
-        </p:txBody>
-      </p:sp>
-      <p:sp>
-        <p:nvSpPr>
-          <p:cNvPr id="35" name="Abgerundetes Rechteck 34"/>
-          <p:cNvSpPr/>
-          <p:nvPr/>
-        </p:nvSpPr>
-        <p:spPr>
-          <a:xfrm>
-            <a:off x="5559876" y="10131115"/>
-            <a:ext cx="1216844" cy="1053186"/>
-          </a:xfrm>
-          <a:prstGeom prst="roundRect">
-            <a:avLst/>
-          </a:prstGeom>
-        </p:spPr>
-        <p:style>
-          <a:lnRef idx="2">
-            <a:schemeClr val="dk1"/>
-          </a:lnRef>
-          <a:fillRef idx="1">
-            <a:schemeClr val="lt1"/>
-          </a:fillRef>
-          <a:effectRef idx="0">
-            <a:schemeClr val="dk1"/>
-          </a:effectRef>
-          <a:fontRef idx="minor">
-            <a:schemeClr val="dk1"/>
-          </a:fontRef>
-        </p:style>
-        <p:txBody>
-          <a:bodyPr rtlCol="0" anchor="ctr"/>
-          <a:lstStyle/>
-          <a:p>
-            <a:pPr algn="ctr"/>
             <a:r>
               <a:rPr lang="de-DE" sz="1600" dirty="0" smtClean="0"/>
               <a:t>Termin zustimmen/ablehnen</a:t>
@@ -3989,7 +3943,7 @@
         </p:nvSpPr>
         <p:spPr>
           <a:xfrm>
-            <a:off x="2194560" y="3383280"/>
+            <a:off x="2174240" y="5100320"/>
             <a:ext cx="1666239" cy="862328"/>
           </a:xfrm>
           <a:prstGeom prst="roundRect">
@@ -4304,14 +4258,13 @@
           <p:cNvPr id="50" name="Gerade Verbindung mit Pfeil 49"/>
           <p:cNvCxnSpPr>
             <a:stCxn id="40" idx="2"/>
-            <a:endCxn id="31" idx="0"/>
           </p:cNvCxnSpPr>
           <p:nvPr/>
         </p:nvCxnSpPr>
         <p:spPr>
-          <a:xfrm rot="16200000" flipH="1">
-            <a:off x="2605139" y="954139"/>
-            <a:ext cx="772161" cy="1801"/>
+          <a:xfrm rot="5400000">
+            <a:off x="2836280" y="719721"/>
+            <a:ext cx="304800" cy="3279"/>
           </a:xfrm>
           <a:prstGeom prst="straightConnector1">
             <a:avLst/>
@@ -4340,14 +4293,14 @@
           <p:cNvPr id="57" name="Gerade Verbindung mit Pfeil 56"/>
           <p:cNvCxnSpPr>
             <a:stCxn id="36" idx="2"/>
-            <a:endCxn id="99" idx="0"/>
+            <a:endCxn id="31" idx="0"/>
           </p:cNvCxnSpPr>
           <p:nvPr/>
         </p:nvCxnSpPr>
         <p:spPr>
           <a:xfrm rot="5400000">
-            <a:off x="2606311" y="4636497"/>
-            <a:ext cx="812258" cy="30480"/>
+            <a:off x="2719704" y="6245224"/>
+            <a:ext cx="570233" cy="5080"/>
           </a:xfrm>
           <a:prstGeom prst="straightConnector1">
             <a:avLst/>
@@ -4460,7 +4413,7 @@
         </p:nvSpPr>
         <p:spPr>
           <a:xfrm>
-            <a:off x="2306320" y="5057866"/>
+            <a:off x="2316480" y="7872186"/>
             <a:ext cx="1381759" cy="798237"/>
           </a:xfrm>
           <a:prstGeom prst="roundRect">
@@ -4698,7 +4651,7 @@
         </p:nvSpPr>
         <p:spPr>
           <a:xfrm>
-            <a:off x="5511651" y="8087329"/>
+            <a:off x="5521811" y="9286209"/>
             <a:ext cx="1211480" cy="544983"/>
           </a:xfrm>
           <a:prstGeom prst="roundRect">
@@ -5055,16 +5008,13 @@
       <p:cxnSp>
         <p:nvCxnSpPr>
           <p:cNvPr id="173" name="Gewinkelter Verbinder 172"/>
-          <p:cNvCxnSpPr>
-            <a:stCxn id="99" idx="3"/>
-            <a:endCxn id="134" idx="1"/>
-          </p:cNvCxnSpPr>
+          <p:cNvCxnSpPr/>
           <p:nvPr/>
         </p:nvCxnSpPr>
         <p:spPr>
           <a:xfrm>
-            <a:off x="3688079" y="5456985"/>
-            <a:ext cx="1823572" cy="2902836"/>
+            <a:off x="4307839" y="8007145"/>
+            <a:ext cx="1854052" cy="1978276"/>
           </a:xfrm>
           <a:prstGeom prst="bentConnector3">
             <a:avLst>
@@ -6022,14 +5972,14 @@
           <p:cNvPr id="267" name="Gerade Verbindung mit Pfeil 266"/>
           <p:cNvCxnSpPr>
             <a:stCxn id="31" idx="2"/>
-            <a:endCxn id="36" idx="0"/>
+            <a:endCxn id="99" idx="0"/>
           </p:cNvCxnSpPr>
           <p:nvPr/>
         </p:nvCxnSpPr>
         <p:spPr>
           <a:xfrm rot="16200000" flipH="1">
-            <a:off x="2463701" y="2819300"/>
-            <a:ext cx="1092399" cy="35560"/>
+            <a:off x="2810048" y="7674873"/>
+            <a:ext cx="389545" cy="5080"/>
           </a:xfrm>
           <a:prstGeom prst="straightConnector1">
             <a:avLst/>
@@ -6127,10 +6077,494 @@
         </p:nvCxnSpPr>
         <p:spPr>
           <a:xfrm rot="16200000" flipH="1">
-            <a:off x="5393443" y="9356259"/>
-            <a:ext cx="1498803" cy="50907"/>
+            <a:off x="5997963" y="9960779"/>
+            <a:ext cx="299923" cy="40747"/>
           </a:xfrm>
           <a:prstGeom prst="straightConnector1">
+            <a:avLst/>
+          </a:prstGeom>
+          <a:ln>
+            <a:tailEnd type="arrow"/>
+          </a:ln>
+        </p:spPr>
+        <p:style>
+          <a:lnRef idx="1">
+            <a:schemeClr val="dk1"/>
+          </a:lnRef>
+          <a:fillRef idx="0">
+            <a:schemeClr val="dk1"/>
+          </a:fillRef>
+          <a:effectRef idx="0">
+            <a:schemeClr val="dk1"/>
+          </a:effectRef>
+          <a:fontRef idx="minor">
+            <a:schemeClr val="tx1"/>
+          </a:fontRef>
+        </p:style>
+      </p:cxnSp>
+      <p:sp>
+        <p:nvSpPr>
+          <p:cNvPr id="98" name="Raute 97"/>
+          <p:cNvSpPr/>
+          <p:nvPr/>
+        </p:nvSpPr>
+        <p:spPr>
+          <a:xfrm>
+            <a:off x="2745303" y="2269872"/>
+            <a:ext cx="566352" cy="727578"/>
+          </a:xfrm>
+          <a:prstGeom prst="diamond">
+            <a:avLst/>
+          </a:prstGeom>
+        </p:spPr>
+        <p:style>
+          <a:lnRef idx="2">
+            <a:schemeClr val="dk1"/>
+          </a:lnRef>
+          <a:fillRef idx="1">
+            <a:schemeClr val="lt1"/>
+          </a:fillRef>
+          <a:effectRef idx="0">
+            <a:schemeClr val="dk1"/>
+          </a:effectRef>
+          <a:fontRef idx="minor">
+            <a:schemeClr val="dk1"/>
+          </a:fontRef>
+        </p:style>
+        <p:txBody>
+          <a:bodyPr rtlCol="0" anchor="ctr"/>
+          <a:lstStyle/>
+          <a:p>
+            <a:pPr algn="ctr"/>
+            <a:endParaRPr lang="de-DE"/>
+          </a:p>
+        </p:txBody>
+      </p:sp>
+      <p:sp>
+        <p:nvSpPr>
+          <p:cNvPr id="119" name="Abgerundetes Rechteck 118"/>
+          <p:cNvSpPr/>
+          <p:nvPr/>
+        </p:nvSpPr>
+        <p:spPr>
+          <a:xfrm>
+            <a:off x="2123440" y="872047"/>
+            <a:ext cx="1828800" cy="875473"/>
+          </a:xfrm>
+          <a:prstGeom prst="roundRect">
+            <a:avLst/>
+          </a:prstGeom>
+        </p:spPr>
+        <p:style>
+          <a:lnRef idx="2">
+            <a:schemeClr val="dk1"/>
+          </a:lnRef>
+          <a:fillRef idx="1">
+            <a:schemeClr val="lt1"/>
+          </a:fillRef>
+          <a:effectRef idx="0">
+            <a:schemeClr val="dk1"/>
+          </a:effectRef>
+          <a:fontRef idx="minor">
+            <a:schemeClr val="dk1"/>
+          </a:fontRef>
+        </p:style>
+        <p:txBody>
+          <a:bodyPr rtlCol="0" anchor="ctr"/>
+          <a:lstStyle/>
+          <a:p>
+            <a:pPr algn="ctr"/>
+            <a:r>
+              <a:rPr lang="de-DE" sz="1400" dirty="0" smtClean="0"/>
+              <a:t>Prüfen ob Benötigte Liste/Berechtigungen vorhanden sind</a:t>
+            </a:r>
+            <a:endParaRPr lang="de-DE" sz="1400" dirty="0"/>
+          </a:p>
+        </p:txBody>
+      </p:sp>
+      <p:cxnSp>
+        <p:nvCxnSpPr>
+          <p:cNvPr id="121" name="Gerade Verbindung mit Pfeil 120"/>
+          <p:cNvCxnSpPr>
+            <a:stCxn id="119" idx="2"/>
+            <a:endCxn id="98" idx="0"/>
+          </p:cNvCxnSpPr>
+          <p:nvPr/>
+        </p:nvCxnSpPr>
+        <p:spPr>
+          <a:xfrm rot="5400000">
+            <a:off x="2771984" y="2004016"/>
+            <a:ext cx="522352" cy="9361"/>
+          </a:xfrm>
+          <a:prstGeom prst="straightConnector1">
+            <a:avLst/>
+          </a:prstGeom>
+          <a:ln w="6350">
+            <a:tailEnd type="arrow"/>
+          </a:ln>
+        </p:spPr>
+        <p:style>
+          <a:lnRef idx="1">
+            <a:schemeClr val="dk1"/>
+          </a:lnRef>
+          <a:fillRef idx="0">
+            <a:schemeClr val="dk1"/>
+          </a:fillRef>
+          <a:effectRef idx="0">
+            <a:schemeClr val="dk1"/>
+          </a:effectRef>
+          <a:fontRef idx="minor">
+            <a:schemeClr val="tx1"/>
+          </a:fontRef>
+        </p:style>
+      </p:cxnSp>
+      <p:sp>
+        <p:nvSpPr>
+          <p:cNvPr id="93" name="Textfeld 92"/>
+          <p:cNvSpPr txBox="1"/>
+          <p:nvPr/>
+        </p:nvSpPr>
+        <p:spPr>
+          <a:xfrm>
+            <a:off x="1849120" y="2184400"/>
+            <a:ext cx="944880" cy="461665"/>
+          </a:xfrm>
+          <a:prstGeom prst="rect">
+            <a:avLst/>
+          </a:prstGeom>
+          <a:noFill/>
+        </p:spPr>
+        <p:txBody>
+          <a:bodyPr wrap="square" rtlCol="0">
+            <a:spAutoFit/>
+          </a:bodyPr>
+          <a:lstStyle/>
+          <a:p>
+            <a:r>
+              <a:rPr lang="de-DE" sz="1200" dirty="0" smtClean="0"/>
+              <a:t>Alles vorhanden</a:t>
+            </a:r>
+            <a:endParaRPr lang="de-DE" sz="1200" dirty="0"/>
+          </a:p>
+        </p:txBody>
+      </p:sp>
+      <p:cxnSp>
+        <p:nvCxnSpPr>
+          <p:cNvPr id="95" name="Gewinkelte Verbindung 94"/>
+          <p:cNvCxnSpPr>
+            <a:stCxn id="98" idx="1"/>
+            <a:endCxn id="135" idx="0"/>
+          </p:cNvCxnSpPr>
+          <p:nvPr/>
+        </p:nvCxnSpPr>
+        <p:spPr>
+          <a:xfrm rot="10800000" flipH="1" flipV="1">
+            <a:off x="2745303" y="2633660"/>
+            <a:ext cx="262856" cy="1444691"/>
+          </a:xfrm>
+          <a:prstGeom prst="bentConnector4">
+            <a:avLst>
+              <a:gd name="adj1" fmla="val -86968"/>
+              <a:gd name="adj2" fmla="val 83689"/>
+            </a:avLst>
+          </a:prstGeom>
+          <a:ln>
+            <a:tailEnd type="arrow"/>
+          </a:ln>
+        </p:spPr>
+        <p:style>
+          <a:lnRef idx="1">
+            <a:schemeClr val="dk1"/>
+          </a:lnRef>
+          <a:fillRef idx="0">
+            <a:schemeClr val="dk1"/>
+          </a:fillRef>
+          <a:effectRef idx="0">
+            <a:schemeClr val="dk1"/>
+          </a:effectRef>
+          <a:fontRef idx="minor">
+            <a:schemeClr val="tx1"/>
+          </a:fontRef>
+        </p:style>
+      </p:cxnSp>
+      <p:sp>
+        <p:nvSpPr>
+          <p:cNvPr id="100" name="Abgerundetes Rechteck 99"/>
+          <p:cNvSpPr/>
+          <p:nvPr/>
+        </p:nvSpPr>
+        <p:spPr>
+          <a:xfrm>
+            <a:off x="8260080" y="2915920"/>
+            <a:ext cx="1442720" cy="1026160"/>
+          </a:xfrm>
+          <a:prstGeom prst="roundRect">
+            <a:avLst/>
+          </a:prstGeom>
+        </p:spPr>
+        <p:style>
+          <a:lnRef idx="2">
+            <a:schemeClr val="dk1"/>
+          </a:lnRef>
+          <a:fillRef idx="1">
+            <a:schemeClr val="lt1"/>
+          </a:fillRef>
+          <a:effectRef idx="0">
+            <a:schemeClr val="dk1"/>
+          </a:effectRef>
+          <a:fontRef idx="minor">
+            <a:schemeClr val="dk1"/>
+          </a:fontRef>
+        </p:style>
+        <p:txBody>
+          <a:bodyPr rtlCol="0" anchor="ctr"/>
+          <a:lstStyle/>
+          <a:p>
+            <a:pPr algn="ctr"/>
+            <a:r>
+              <a:rPr lang="de-DE" sz="1400" dirty="0" smtClean="0"/>
+              <a:t>Berechtigungen erteilen/Liste erstellen</a:t>
+            </a:r>
+            <a:endParaRPr lang="de-DE" sz="1400" dirty="0"/>
+          </a:p>
+        </p:txBody>
+      </p:sp>
+      <p:sp>
+        <p:nvSpPr>
+          <p:cNvPr id="106" name="Textfeld 105"/>
+          <p:cNvSpPr txBox="1"/>
+          <p:nvPr/>
+        </p:nvSpPr>
+        <p:spPr>
+          <a:xfrm>
+            <a:off x="3332480" y="2133600"/>
+            <a:ext cx="944880" cy="461665"/>
+          </a:xfrm>
+          <a:prstGeom prst="rect">
+            <a:avLst/>
+          </a:prstGeom>
+          <a:noFill/>
+        </p:spPr>
+        <p:txBody>
+          <a:bodyPr wrap="square" rtlCol="0">
+            <a:spAutoFit/>
+          </a:bodyPr>
+          <a:lstStyle/>
+          <a:p>
+            <a:r>
+              <a:rPr lang="de-DE" sz="1200" dirty="0" smtClean="0"/>
+              <a:t>Nein, Beantragen</a:t>
+            </a:r>
+            <a:endParaRPr lang="de-DE" sz="1200" dirty="0"/>
+          </a:p>
+        </p:txBody>
+      </p:sp>
+      <p:sp>
+        <p:nvSpPr>
+          <p:cNvPr id="109" name="Abgerundetes Rechteck 108"/>
+          <p:cNvSpPr/>
+          <p:nvPr/>
+        </p:nvSpPr>
+        <p:spPr>
+          <a:xfrm>
+            <a:off x="3048000" y="3180080"/>
+            <a:ext cx="1117601" cy="455928"/>
+          </a:xfrm>
+          <a:prstGeom prst="roundRect">
+            <a:avLst/>
+          </a:prstGeom>
+        </p:spPr>
+        <p:style>
+          <a:lnRef idx="2">
+            <a:schemeClr val="dk1"/>
+          </a:lnRef>
+          <a:fillRef idx="1">
+            <a:schemeClr val="lt1"/>
+          </a:fillRef>
+          <a:effectRef idx="0">
+            <a:schemeClr val="dk1"/>
+          </a:effectRef>
+          <a:fontRef idx="minor">
+            <a:schemeClr val="dk1"/>
+          </a:fontRef>
+        </p:style>
+        <p:txBody>
+          <a:bodyPr rtlCol="0" anchor="ctr"/>
+          <a:lstStyle/>
+          <a:p>
+            <a:pPr algn="ctr"/>
+            <a:r>
+              <a:rPr lang="de-DE" sz="1400" dirty="0" smtClean="0"/>
+              <a:t>Beantragen</a:t>
+            </a:r>
+            <a:endParaRPr lang="de-DE" sz="1400" dirty="0"/>
+          </a:p>
+        </p:txBody>
+      </p:sp>
+      <p:cxnSp>
+        <p:nvCxnSpPr>
+          <p:cNvPr id="110" name="Gewinkelte Verbindung 94"/>
+          <p:cNvCxnSpPr>
+            <a:stCxn id="98" idx="3"/>
+            <a:endCxn id="109" idx="0"/>
+          </p:cNvCxnSpPr>
+          <p:nvPr/>
+        </p:nvCxnSpPr>
+        <p:spPr>
+          <a:xfrm>
+            <a:off x="3311655" y="2633661"/>
+            <a:ext cx="295146" cy="546419"/>
+          </a:xfrm>
+          <a:prstGeom prst="bentConnector2">
+            <a:avLst/>
+          </a:prstGeom>
+          <a:ln>
+            <a:tailEnd type="arrow"/>
+          </a:ln>
+        </p:spPr>
+        <p:style>
+          <a:lnRef idx="1">
+            <a:schemeClr val="dk1"/>
+          </a:lnRef>
+          <a:fillRef idx="0">
+            <a:schemeClr val="dk1"/>
+          </a:fillRef>
+          <a:effectRef idx="0">
+            <a:schemeClr val="dk1"/>
+          </a:effectRef>
+          <a:fontRef idx="minor">
+            <a:schemeClr val="tx1"/>
+          </a:fontRef>
+        </p:style>
+      </p:cxnSp>
+      <p:cxnSp>
+        <p:nvCxnSpPr>
+          <p:cNvPr id="114" name="Gerade Verbindung mit Pfeil 113"/>
+          <p:cNvCxnSpPr>
+            <a:stCxn id="109" idx="3"/>
+            <a:endCxn id="100" idx="1"/>
+          </p:cNvCxnSpPr>
+          <p:nvPr/>
+        </p:nvCxnSpPr>
+        <p:spPr>
+          <a:xfrm>
+            <a:off x="4165601" y="3408044"/>
+            <a:ext cx="4094479" cy="20956"/>
+          </a:xfrm>
+          <a:prstGeom prst="straightConnector1">
+            <a:avLst/>
+          </a:prstGeom>
+          <a:ln w="6350">
+            <a:tailEnd type="arrow"/>
+          </a:ln>
+        </p:spPr>
+        <p:style>
+          <a:lnRef idx="1">
+            <a:schemeClr val="dk1"/>
+          </a:lnRef>
+          <a:fillRef idx="0">
+            <a:schemeClr val="dk1"/>
+          </a:fillRef>
+          <a:effectRef idx="0">
+            <a:schemeClr val="dk1"/>
+          </a:effectRef>
+          <a:fontRef idx="minor">
+            <a:schemeClr val="tx1"/>
+          </a:fontRef>
+        </p:style>
+      </p:cxnSp>
+      <p:sp>
+        <p:nvSpPr>
+          <p:cNvPr id="135" name="Raute 134"/>
+          <p:cNvSpPr/>
+          <p:nvPr/>
+        </p:nvSpPr>
+        <p:spPr>
+          <a:xfrm>
+            <a:off x="2724983" y="4078352"/>
+            <a:ext cx="566352" cy="727578"/>
+          </a:xfrm>
+          <a:prstGeom prst="diamond">
+            <a:avLst/>
+          </a:prstGeom>
+        </p:spPr>
+        <p:style>
+          <a:lnRef idx="2">
+            <a:schemeClr val="dk1"/>
+          </a:lnRef>
+          <a:fillRef idx="1">
+            <a:schemeClr val="lt1"/>
+          </a:fillRef>
+          <a:effectRef idx="0">
+            <a:schemeClr val="dk1"/>
+          </a:effectRef>
+          <a:fontRef idx="minor">
+            <a:schemeClr val="dk1"/>
+          </a:fontRef>
+        </p:style>
+        <p:txBody>
+          <a:bodyPr rtlCol="0" anchor="ctr"/>
+          <a:lstStyle/>
+          <a:p>
+            <a:pPr algn="ctr"/>
+            <a:endParaRPr lang="de-DE"/>
+          </a:p>
+        </p:txBody>
+      </p:sp>
+      <p:cxnSp>
+        <p:nvCxnSpPr>
+          <p:cNvPr id="144" name="Gerade Verbindung mit Pfeil 143"/>
+          <p:cNvCxnSpPr>
+            <a:stCxn id="135" idx="2"/>
+            <a:endCxn id="36" idx="0"/>
+          </p:cNvCxnSpPr>
+          <p:nvPr/>
+        </p:nvCxnSpPr>
+        <p:spPr>
+          <a:xfrm rot="5400000">
+            <a:off x="2860565" y="4952726"/>
+            <a:ext cx="294390" cy="799"/>
+          </a:xfrm>
+          <a:prstGeom prst="straightConnector1">
+            <a:avLst/>
+          </a:prstGeom>
+          <a:ln>
+            <a:solidFill>
+              <a:schemeClr val="tx1"/>
+            </a:solidFill>
+            <a:tailEnd type="arrow"/>
+          </a:ln>
+        </p:spPr>
+        <p:style>
+          <a:lnRef idx="1">
+            <a:schemeClr val="accent1"/>
+          </a:lnRef>
+          <a:fillRef idx="0">
+            <a:schemeClr val="accent1"/>
+          </a:fillRef>
+          <a:effectRef idx="0">
+            <a:schemeClr val="accent1"/>
+          </a:effectRef>
+          <a:fontRef idx="minor">
+            <a:schemeClr val="tx1"/>
+          </a:fontRef>
+        </p:style>
+      </p:cxnSp>
+      <p:cxnSp>
+        <p:nvCxnSpPr>
+          <p:cNvPr id="149" name="Gewinkelte Verbindung 94"/>
+          <p:cNvCxnSpPr>
+            <a:stCxn id="100" idx="2"/>
+            <a:endCxn id="135" idx="3"/>
+          </p:cNvCxnSpPr>
+          <p:nvPr/>
+        </p:nvCxnSpPr>
+        <p:spPr>
+          <a:xfrm rot="5400000">
+            <a:off x="5886358" y="1347058"/>
+            <a:ext cx="500061" cy="5690105"/>
+          </a:xfrm>
+          <a:prstGeom prst="bentConnector2">
             <a:avLst/>
           </a:prstGeom>
           <a:ln>

--- a/Dokumentation + Diagramme etc/Aktivitätsdiagramm.pptx
+++ b/Dokumentation + Diagramme etc/Aktivitätsdiagramm.pptx
@@ -291,7 +291,7 @@
     </p:spTree>
     <p:extLst>
       <p:ext uri="{BB962C8B-B14F-4D97-AF65-F5344CB8AC3E}">
-        <p14:creationId xmlns="" xmlns:p14="http://schemas.microsoft.com/office/powerpoint/2010/main" val="2151534791"/>
+        <p14:creationId xmlns:p14="http://schemas.microsoft.com/office/powerpoint/2010/main" xmlns="" val="2151534791"/>
       </p:ext>
     </p:extLst>
   </p:cSld>
@@ -463,7 +463,7 @@
     </p:spTree>
     <p:extLst>
       <p:ext uri="{BB962C8B-B14F-4D97-AF65-F5344CB8AC3E}">
-        <p14:creationId xmlns="" xmlns:p14="http://schemas.microsoft.com/office/powerpoint/2010/main" val="2851948966"/>
+        <p14:creationId xmlns:p14="http://schemas.microsoft.com/office/powerpoint/2010/main" xmlns="" val="2851948966"/>
       </p:ext>
     </p:extLst>
   </p:cSld>
@@ -645,7 +645,7 @@
     </p:spTree>
     <p:extLst>
       <p:ext uri="{BB962C8B-B14F-4D97-AF65-F5344CB8AC3E}">
-        <p14:creationId xmlns="" xmlns:p14="http://schemas.microsoft.com/office/powerpoint/2010/main" val="3084172610"/>
+        <p14:creationId xmlns:p14="http://schemas.microsoft.com/office/powerpoint/2010/main" xmlns="" val="3084172610"/>
       </p:ext>
     </p:extLst>
   </p:cSld>
@@ -817,7 +817,7 @@
     </p:spTree>
     <p:extLst>
       <p:ext uri="{BB962C8B-B14F-4D97-AF65-F5344CB8AC3E}">
-        <p14:creationId xmlns="" xmlns:p14="http://schemas.microsoft.com/office/powerpoint/2010/main" val="2861639684"/>
+        <p14:creationId xmlns:p14="http://schemas.microsoft.com/office/powerpoint/2010/main" xmlns="" val="2861639684"/>
       </p:ext>
     </p:extLst>
   </p:cSld>
@@ -1065,7 +1065,7 @@
     </p:spTree>
     <p:extLst>
       <p:ext uri="{BB962C8B-B14F-4D97-AF65-F5344CB8AC3E}">
-        <p14:creationId xmlns="" xmlns:p14="http://schemas.microsoft.com/office/powerpoint/2010/main" val="1613901811"/>
+        <p14:creationId xmlns:p14="http://schemas.microsoft.com/office/powerpoint/2010/main" xmlns="" val="1613901811"/>
       </p:ext>
     </p:extLst>
   </p:cSld>
@@ -1299,7 +1299,7 @@
     </p:spTree>
     <p:extLst>
       <p:ext uri="{BB962C8B-B14F-4D97-AF65-F5344CB8AC3E}">
-        <p14:creationId xmlns="" xmlns:p14="http://schemas.microsoft.com/office/powerpoint/2010/main" val="1368996958"/>
+        <p14:creationId xmlns:p14="http://schemas.microsoft.com/office/powerpoint/2010/main" xmlns="" val="1368996958"/>
       </p:ext>
     </p:extLst>
   </p:cSld>
@@ -1668,7 +1668,7 @@
     </p:spTree>
     <p:extLst>
       <p:ext uri="{BB962C8B-B14F-4D97-AF65-F5344CB8AC3E}">
-        <p14:creationId xmlns="" xmlns:p14="http://schemas.microsoft.com/office/powerpoint/2010/main" val="875376927"/>
+        <p14:creationId xmlns:p14="http://schemas.microsoft.com/office/powerpoint/2010/main" xmlns="" val="875376927"/>
       </p:ext>
     </p:extLst>
   </p:cSld>
@@ -1788,7 +1788,7 @@
     </p:spTree>
     <p:extLst>
       <p:ext uri="{BB962C8B-B14F-4D97-AF65-F5344CB8AC3E}">
-        <p14:creationId xmlns="" xmlns:p14="http://schemas.microsoft.com/office/powerpoint/2010/main" val="3508665043"/>
+        <p14:creationId xmlns:p14="http://schemas.microsoft.com/office/powerpoint/2010/main" xmlns="" val="3508665043"/>
       </p:ext>
     </p:extLst>
   </p:cSld>
@@ -1885,7 +1885,7 @@
     </p:spTree>
     <p:extLst>
       <p:ext uri="{BB962C8B-B14F-4D97-AF65-F5344CB8AC3E}">
-        <p14:creationId xmlns="" xmlns:p14="http://schemas.microsoft.com/office/powerpoint/2010/main" val="4233885337"/>
+        <p14:creationId xmlns:p14="http://schemas.microsoft.com/office/powerpoint/2010/main" xmlns="" val="4233885337"/>
       </p:ext>
     </p:extLst>
   </p:cSld>
@@ -2164,7 +2164,7 @@
     </p:spTree>
     <p:extLst>
       <p:ext uri="{BB962C8B-B14F-4D97-AF65-F5344CB8AC3E}">
-        <p14:creationId xmlns="" xmlns:p14="http://schemas.microsoft.com/office/powerpoint/2010/main" val="3872810606"/>
+        <p14:creationId xmlns:p14="http://schemas.microsoft.com/office/powerpoint/2010/main" xmlns="" val="3872810606"/>
       </p:ext>
     </p:extLst>
   </p:cSld>
@@ -2419,7 +2419,7 @@
     </p:spTree>
     <p:extLst>
       <p:ext uri="{BB962C8B-B14F-4D97-AF65-F5344CB8AC3E}">
-        <p14:creationId xmlns="" xmlns:p14="http://schemas.microsoft.com/office/powerpoint/2010/main" val="1371472543"/>
+        <p14:creationId xmlns:p14="http://schemas.microsoft.com/office/powerpoint/2010/main" xmlns="" val="1371472543"/>
       </p:ext>
     </p:extLst>
   </p:cSld>
@@ -2670,7 +2670,7 @@
     </p:spTree>
     <p:extLst>
       <p:ext uri="{BB962C8B-B14F-4D97-AF65-F5344CB8AC3E}">
-        <p14:creationId xmlns="" xmlns:p14="http://schemas.microsoft.com/office/powerpoint/2010/main" val="2116266659"/>
+        <p14:creationId xmlns:p14="http://schemas.microsoft.com/office/powerpoint/2010/main" xmlns="" val="2116266659"/>
       </p:ext>
     </p:extLst>
   </p:cSld>
@@ -3838,7 +3838,11 @@
             <a:pPr algn="ctr"/>
             <a:r>
               <a:rPr lang="de-DE" sz="1600" dirty="0" smtClean="0"/>
-              <a:t>Konferenztitel wählen</a:t>
+              <a:t>Konferenztitel </a:t>
+            </a:r>
+            <a:r>
+              <a:rPr lang="de-DE" sz="1600" dirty="0" smtClean="0"/>
+              <a:t>wählen / TOPs</a:t>
             </a:r>
             <a:endParaRPr lang="de-DE" sz="1600" dirty="0"/>
           </a:p>
@@ -3895,14 +3899,14 @@
       </p:sp>
       <p:sp>
         <p:nvSpPr>
-          <p:cNvPr id="35" name="Abgerundetes Rechteck 34"/>
+          <p:cNvPr id="36" name="Abgerundetes Rechteck 35"/>
           <p:cNvSpPr/>
           <p:nvPr/>
         </p:nvSpPr>
         <p:spPr>
           <a:xfrm>
-            <a:off x="5559876" y="10131115"/>
-            <a:ext cx="1216844" cy="1053186"/>
+            <a:off x="2174240" y="5100320"/>
+            <a:ext cx="1666239" cy="862328"/>
           </a:xfrm>
           <a:prstGeom prst="roundRect">
             <a:avLst/>
@@ -3929,7 +3933,7 @@
             <a:pPr algn="ctr"/>
             <a:r>
               <a:rPr lang="de-DE" sz="1600" dirty="0" smtClean="0"/>
-              <a:t>Termin zustimmen/ablehnen</a:t>
+              <a:t>Teilnehmer hinzufügen</a:t>
             </a:r>
             <a:endParaRPr lang="de-DE" sz="1600" dirty="0"/>
           </a:p>
@@ -3937,14 +3941,14 @@
       </p:sp>
       <p:sp>
         <p:nvSpPr>
-          <p:cNvPr id="36" name="Abgerundetes Rechteck 35"/>
+          <p:cNvPr id="37" name="Abgerundetes Rechteck 36"/>
           <p:cNvSpPr/>
           <p:nvPr/>
         </p:nvSpPr>
         <p:spPr>
           <a:xfrm>
-            <a:off x="2174240" y="5100320"/>
-            <a:ext cx="1666239" cy="862328"/>
+            <a:off x="2431390" y="12222480"/>
+            <a:ext cx="1175410" cy="722630"/>
           </a:xfrm>
           <a:prstGeom prst="roundRect">
             <a:avLst/>
@@ -3971,7 +3975,7 @@
             <a:pPr algn="ctr"/>
             <a:r>
               <a:rPr lang="de-DE" sz="1600" dirty="0" smtClean="0"/>
-              <a:t>Teilnehmer hinzufügen</a:t>
+              <a:t>Protokoll schreiben</a:t>
             </a:r>
             <a:endParaRPr lang="de-DE" sz="1600" dirty="0"/>
           </a:p>
@@ -3979,14 +3983,14 @@
       </p:sp>
       <p:sp>
         <p:nvSpPr>
-          <p:cNvPr id="37" name="Abgerundetes Rechteck 36"/>
+          <p:cNvPr id="38" name="Abgerundetes Rechteck 37"/>
           <p:cNvSpPr/>
           <p:nvPr/>
         </p:nvSpPr>
         <p:spPr>
           <a:xfrm>
-            <a:off x="2218030" y="14571753"/>
-            <a:ext cx="1211480" cy="893037"/>
+            <a:off x="2265680" y="13462001"/>
+            <a:ext cx="1473200" cy="628942"/>
           </a:xfrm>
           <a:prstGeom prst="roundRect">
             <a:avLst/>
@@ -4012,23 +4016,23 @@
           <a:p>
             <a:pPr algn="ctr"/>
             <a:r>
-              <a:rPr lang="de-DE" dirty="0" smtClean="0"/>
-              <a:t>Karte zum legen wählen</a:t>
-            </a:r>
-            <a:endParaRPr lang="de-DE" dirty="0"/>
-          </a:p>
-        </p:txBody>
-      </p:sp>
-      <p:sp>
-        <p:nvSpPr>
-          <p:cNvPr id="38" name="Abgerundetes Rechteck 37"/>
+              <a:rPr lang="de-DE" sz="1400" dirty="0" smtClean="0"/>
+              <a:t>Beschlüsse herausschreiben</a:t>
+            </a:r>
+            <a:endParaRPr lang="de-DE" sz="1400" dirty="0"/>
+          </a:p>
+        </p:txBody>
+      </p:sp>
+      <p:sp>
+        <p:nvSpPr>
+          <p:cNvPr id="39" name="Abgerundetes Rechteck 38"/>
           <p:cNvSpPr/>
           <p:nvPr/>
         </p:nvSpPr>
         <p:spPr>
           <a:xfrm>
-            <a:off x="2218030" y="16065639"/>
-            <a:ext cx="1211480" cy="544983"/>
+            <a:off x="5611244" y="14640560"/>
+            <a:ext cx="1256916" cy="809954"/>
           </a:xfrm>
           <a:prstGeom prst="roundRect">
             <a:avLst/>
@@ -4054,52 +4058,10 @@
           <a:p>
             <a:pPr algn="ctr"/>
             <a:r>
-              <a:rPr lang="de-DE" dirty="0" smtClean="0"/>
-              <a:t>Karte ablegen</a:t>
-            </a:r>
-            <a:endParaRPr lang="de-DE" dirty="0"/>
-          </a:p>
-        </p:txBody>
-      </p:sp>
-      <p:sp>
-        <p:nvSpPr>
-          <p:cNvPr id="39" name="Abgerundetes Rechteck 38"/>
-          <p:cNvSpPr/>
-          <p:nvPr/>
-        </p:nvSpPr>
-        <p:spPr>
-          <a:xfrm>
-            <a:off x="5641724" y="15539186"/>
-            <a:ext cx="1211480" cy="1597888"/>
-          </a:xfrm>
-          <a:prstGeom prst="roundRect">
-            <a:avLst/>
-          </a:prstGeom>
-        </p:spPr>
-        <p:style>
-          <a:lnRef idx="2">
-            <a:schemeClr val="dk1"/>
-          </a:lnRef>
-          <a:fillRef idx="1">
-            <a:schemeClr val="lt1"/>
-          </a:fillRef>
-          <a:effectRef idx="0">
-            <a:schemeClr val="dk1"/>
-          </a:effectRef>
-          <a:fontRef idx="minor">
-            <a:schemeClr val="dk1"/>
-          </a:fontRef>
-        </p:style>
-        <p:txBody>
-          <a:bodyPr rtlCol="0" anchor="ctr"/>
-          <a:lstStyle/>
-          <a:p>
-            <a:pPr algn="ctr"/>
-            <a:r>
-              <a:rPr lang="de-DE" dirty="0" smtClean="0"/>
-              <a:t>Karte oben auf offenen Kartenstapel legen</a:t>
-            </a:r>
-            <a:endParaRPr lang="de-DE" dirty="0"/>
+              <a:rPr lang="de-DE" sz="1600" dirty="0" smtClean="0"/>
+              <a:t>Abstimmen</a:t>
+            </a:r>
+            <a:endParaRPr lang="de-DE" sz="1600" dirty="0"/>
           </a:p>
         </p:txBody>
       </p:sp>
@@ -4329,17 +4291,17 @@
       </p:cxnSp>
       <p:cxnSp>
         <p:nvCxnSpPr>
-          <p:cNvPr id="67" name="Gerade Verbindung mit Pfeil 66"/>
+          <p:cNvPr id="69" name="Gerade Verbindung mit Pfeil 68"/>
           <p:cNvCxnSpPr>
-            <a:stCxn id="37" idx="2"/>
-            <a:endCxn id="38" idx="0"/>
+            <a:stCxn id="38" idx="2"/>
+            <a:endCxn id="140" idx="0"/>
           </p:cNvCxnSpPr>
           <p:nvPr/>
         </p:nvCxnSpPr>
         <p:spPr>
-          <a:xfrm>
-            <a:off x="2823770" y="15464790"/>
-            <a:ext cx="0" cy="600849"/>
+          <a:xfrm rot="16200000" flipH="1">
+            <a:off x="2702071" y="14391152"/>
+            <a:ext cx="630898" cy="30480"/>
           </a:xfrm>
           <a:prstGeom prst="straightConnector1">
             <a:avLst/>
@@ -4366,19 +4328,377 @@
           </a:fontRef>
         </p:style>
       </p:cxnSp>
+      <p:sp>
+        <p:nvSpPr>
+          <p:cNvPr id="99" name="Abgerundetes Rechteck 98"/>
+          <p:cNvSpPr/>
+          <p:nvPr/>
+        </p:nvSpPr>
+        <p:spPr>
+          <a:xfrm>
+            <a:off x="2316480" y="7872186"/>
+            <a:ext cx="1381759" cy="798237"/>
+          </a:xfrm>
+          <a:prstGeom prst="roundRect">
+            <a:avLst/>
+          </a:prstGeom>
+        </p:spPr>
+        <p:style>
+          <a:lnRef idx="2">
+            <a:schemeClr val="dk1"/>
+          </a:lnRef>
+          <a:fillRef idx="1">
+            <a:schemeClr val="lt1"/>
+          </a:fillRef>
+          <a:effectRef idx="0">
+            <a:schemeClr val="dk1"/>
+          </a:effectRef>
+          <a:fontRef idx="minor">
+            <a:schemeClr val="dk1"/>
+          </a:fontRef>
+        </p:style>
+        <p:txBody>
+          <a:bodyPr rtlCol="0" anchor="ctr"/>
+          <a:lstStyle/>
+          <a:p>
+            <a:pPr algn="ctr"/>
+            <a:r>
+              <a:rPr lang="de-DE" sz="1600" dirty="0" smtClean="0"/>
+              <a:t>Einladung versenden</a:t>
+            </a:r>
+            <a:endParaRPr lang="de-DE" sz="1600" dirty="0"/>
+          </a:p>
+        </p:txBody>
+      </p:sp>
+      <p:sp>
+        <p:nvSpPr>
+          <p:cNvPr id="111" name="Abgerundetes Rechteck 110"/>
+          <p:cNvSpPr/>
+          <p:nvPr/>
+        </p:nvSpPr>
+        <p:spPr>
+          <a:xfrm>
+            <a:off x="5582634" y="10830561"/>
+            <a:ext cx="1235152" cy="534106"/>
+          </a:xfrm>
+          <a:prstGeom prst="roundRect">
+            <a:avLst/>
+          </a:prstGeom>
+        </p:spPr>
+        <p:style>
+          <a:lnRef idx="2">
+            <a:schemeClr val="dk1"/>
+          </a:lnRef>
+          <a:fillRef idx="1">
+            <a:schemeClr val="lt1"/>
+          </a:fillRef>
+          <a:effectRef idx="0">
+            <a:schemeClr val="dk1"/>
+          </a:effectRef>
+          <a:fontRef idx="minor">
+            <a:schemeClr val="dk1"/>
+          </a:fontRef>
+        </p:style>
+        <p:txBody>
+          <a:bodyPr rtlCol="0" anchor="ctr"/>
+          <a:lstStyle/>
+          <a:p>
+            <a:pPr algn="ctr"/>
+            <a:r>
+              <a:rPr lang="de-DE" sz="1600" dirty="0" smtClean="0"/>
+              <a:t>Zustimmen / ablehnen</a:t>
+            </a:r>
+            <a:endParaRPr lang="de-DE" sz="1600" dirty="0"/>
+          </a:p>
+        </p:txBody>
+      </p:sp>
+      <p:sp>
+        <p:nvSpPr>
+          <p:cNvPr id="126" name="Abgerundetes Rechteck 125"/>
+          <p:cNvSpPr/>
+          <p:nvPr/>
+        </p:nvSpPr>
+        <p:spPr>
+          <a:xfrm>
+            <a:off x="2191012" y="18571729"/>
+            <a:ext cx="1740908" cy="986271"/>
+          </a:xfrm>
+          <a:prstGeom prst="roundRect">
+            <a:avLst/>
+          </a:prstGeom>
+        </p:spPr>
+        <p:style>
+          <a:lnRef idx="2">
+            <a:schemeClr val="dk1"/>
+          </a:lnRef>
+          <a:fillRef idx="1">
+            <a:schemeClr val="lt1"/>
+          </a:fillRef>
+          <a:effectRef idx="0">
+            <a:schemeClr val="dk1"/>
+          </a:effectRef>
+          <a:fontRef idx="minor">
+            <a:schemeClr val="dk1"/>
+          </a:fontRef>
+        </p:style>
+        <p:txBody>
+          <a:bodyPr rtlCol="0" anchor="ctr"/>
+          <a:lstStyle/>
+          <a:p>
+            <a:pPr algn="ctr"/>
+            <a:r>
+              <a:rPr lang="de-DE" sz="1400" dirty="0" smtClean="0"/>
+              <a:t>Protokoll Nacharbeiten durchführen</a:t>
+            </a:r>
+            <a:endParaRPr lang="de-DE" sz="1400" dirty="0"/>
+          </a:p>
+        </p:txBody>
+      </p:sp>
       <p:cxnSp>
         <p:nvCxnSpPr>
-          <p:cNvPr id="69" name="Gerade Verbindung mit Pfeil 68"/>
+          <p:cNvPr id="127" name="Gewinkelter Verbinder 126"/>
           <p:cNvCxnSpPr>
-            <a:stCxn id="38" idx="3"/>
-            <a:endCxn id="39" idx="1"/>
+            <a:stCxn id="39" idx="2"/>
+            <a:endCxn id="160" idx="3"/>
           </p:cNvCxnSpPr>
           <p:nvPr/>
         </p:nvCxnSpPr>
         <p:spPr>
-          <a:xfrm flipV="1">
-            <a:off x="3429510" y="16338130"/>
-            <a:ext cx="2212214" cy="1"/>
+          <a:xfrm rot="5400000">
+            <a:off x="4018300" y="15120294"/>
+            <a:ext cx="1891183" cy="2551622"/>
+          </a:xfrm>
+          <a:prstGeom prst="bentConnector2">
+            <a:avLst/>
+          </a:prstGeom>
+          <a:ln>
+            <a:tailEnd type="arrow"/>
+          </a:ln>
+        </p:spPr>
+        <p:style>
+          <a:lnRef idx="1">
+            <a:schemeClr val="dk1"/>
+          </a:lnRef>
+          <a:fillRef idx="0">
+            <a:schemeClr val="dk1"/>
+          </a:fillRef>
+          <a:effectRef idx="0">
+            <a:schemeClr val="dk1"/>
+          </a:effectRef>
+          <a:fontRef idx="minor">
+            <a:schemeClr val="tx1"/>
+          </a:fontRef>
+        </p:style>
+      </p:cxnSp>
+      <p:sp>
+        <p:nvSpPr>
+          <p:cNvPr id="134" name="Abgerundetes Rechteck 133"/>
+          <p:cNvSpPr/>
+          <p:nvPr/>
+        </p:nvSpPr>
+        <p:spPr>
+          <a:xfrm>
+            <a:off x="5582771" y="9723089"/>
+            <a:ext cx="1211480" cy="544983"/>
+          </a:xfrm>
+          <a:prstGeom prst="roundRect">
+            <a:avLst/>
+          </a:prstGeom>
+        </p:spPr>
+        <p:style>
+          <a:lnRef idx="2">
+            <a:schemeClr val="dk1"/>
+          </a:lnRef>
+          <a:fillRef idx="1">
+            <a:schemeClr val="lt1"/>
+          </a:fillRef>
+          <a:effectRef idx="0">
+            <a:schemeClr val="dk1"/>
+          </a:effectRef>
+          <a:fontRef idx="minor">
+            <a:schemeClr val="dk1"/>
+          </a:fontRef>
+        </p:style>
+        <p:txBody>
+          <a:bodyPr rtlCol="0" anchor="ctr"/>
+          <a:lstStyle/>
+          <a:p>
+            <a:pPr algn="ctr"/>
+            <a:r>
+              <a:rPr lang="de-DE" sz="1600" dirty="0" smtClean="0"/>
+              <a:t>Termin erhalten</a:t>
+            </a:r>
+            <a:endParaRPr lang="de-DE" sz="1600" dirty="0"/>
+          </a:p>
+        </p:txBody>
+      </p:sp>
+      <p:cxnSp>
+        <p:nvCxnSpPr>
+          <p:cNvPr id="139" name="Gewinkelter Verbinder 138"/>
+          <p:cNvCxnSpPr>
+            <a:stCxn id="160" idx="2"/>
+            <a:endCxn id="126" idx="0"/>
+          </p:cNvCxnSpPr>
+          <p:nvPr/>
+        </p:nvCxnSpPr>
+        <p:spPr>
+          <a:xfrm rot="16200000" flipH="1">
+            <a:off x="2648017" y="18158279"/>
+            <a:ext cx="825055" cy="1844"/>
+          </a:xfrm>
+          <a:prstGeom prst="bentConnector3">
+            <a:avLst>
+              <a:gd name="adj1" fmla="val 50000"/>
+            </a:avLst>
+          </a:prstGeom>
+          <a:ln>
+            <a:tailEnd type="arrow"/>
+          </a:ln>
+        </p:spPr>
+        <p:style>
+          <a:lnRef idx="1">
+            <a:schemeClr val="dk1"/>
+          </a:lnRef>
+          <a:fillRef idx="0">
+            <a:schemeClr val="dk1"/>
+          </a:fillRef>
+          <a:effectRef idx="0">
+            <a:schemeClr val="dk1"/>
+          </a:effectRef>
+          <a:fontRef idx="minor">
+            <a:schemeClr val="tx1"/>
+          </a:fontRef>
+        </p:style>
+      </p:cxnSp>
+      <p:cxnSp>
+        <p:nvCxnSpPr>
+          <p:cNvPr id="154" name="Gerade Verbindung mit Pfeil 153"/>
+          <p:cNvCxnSpPr>
+            <a:stCxn id="37" idx="2"/>
+            <a:endCxn id="38" idx="0"/>
+          </p:cNvCxnSpPr>
+          <p:nvPr/>
+        </p:nvCxnSpPr>
+        <p:spPr>
+          <a:xfrm rot="5400000">
+            <a:off x="2752243" y="13195148"/>
+            <a:ext cx="516891" cy="16815"/>
+          </a:xfrm>
+          <a:prstGeom prst="straightConnector1">
+            <a:avLst/>
+          </a:prstGeom>
+          <a:ln>
+            <a:tailEnd type="arrow"/>
+          </a:ln>
+        </p:spPr>
+        <p:style>
+          <a:lnRef idx="1">
+            <a:schemeClr val="dk1"/>
+          </a:lnRef>
+          <a:fillRef idx="0">
+            <a:schemeClr val="dk1"/>
+          </a:fillRef>
+          <a:effectRef idx="0">
+            <a:schemeClr val="dk1"/>
+          </a:effectRef>
+          <a:fontRef idx="minor">
+            <a:schemeClr val="tx1"/>
+          </a:fontRef>
+        </p:style>
+      </p:cxnSp>
+      <p:cxnSp>
+        <p:nvCxnSpPr>
+          <p:cNvPr id="173" name="Gewinkelter Verbinder 172"/>
+          <p:cNvCxnSpPr>
+            <a:stCxn id="99" idx="3"/>
+            <a:endCxn id="134" idx="1"/>
+          </p:cNvCxnSpPr>
+          <p:nvPr/>
+        </p:nvCxnSpPr>
+        <p:spPr>
+          <a:xfrm>
+            <a:off x="3698239" y="8271305"/>
+            <a:ext cx="1884532" cy="1724276"/>
+          </a:xfrm>
+          <a:prstGeom prst="bentConnector3">
+            <a:avLst>
+              <a:gd name="adj1" fmla="val 50000"/>
+            </a:avLst>
+          </a:prstGeom>
+          <a:ln>
+            <a:tailEnd type="arrow"/>
+          </a:ln>
+        </p:spPr>
+        <p:style>
+          <a:lnRef idx="1">
+            <a:schemeClr val="dk1"/>
+          </a:lnRef>
+          <a:fillRef idx="0">
+            <a:schemeClr val="dk1"/>
+          </a:fillRef>
+          <a:effectRef idx="0">
+            <a:schemeClr val="dk1"/>
+          </a:effectRef>
+          <a:fontRef idx="minor">
+            <a:schemeClr val="tx1"/>
+          </a:fontRef>
+        </p:style>
+      </p:cxnSp>
+      <p:sp>
+        <p:nvSpPr>
+          <p:cNvPr id="178" name="Abgerundetes Rechteck 177"/>
+          <p:cNvSpPr/>
+          <p:nvPr/>
+        </p:nvSpPr>
+        <p:spPr>
+          <a:xfrm>
+            <a:off x="2582222" y="20330160"/>
+            <a:ext cx="983938" cy="935658"/>
+          </a:xfrm>
+          <a:prstGeom prst="roundRect">
+            <a:avLst/>
+          </a:prstGeom>
+        </p:spPr>
+        <p:style>
+          <a:lnRef idx="2">
+            <a:schemeClr val="dk1"/>
+          </a:lnRef>
+          <a:fillRef idx="1">
+            <a:schemeClr val="lt1"/>
+          </a:fillRef>
+          <a:effectRef idx="0">
+            <a:schemeClr val="dk1"/>
+          </a:effectRef>
+          <a:fontRef idx="minor">
+            <a:schemeClr val="dk1"/>
+          </a:fontRef>
+        </p:style>
+        <p:txBody>
+          <a:bodyPr rtlCol="0" anchor="ctr"/>
+          <a:lstStyle/>
+          <a:p>
+            <a:pPr algn="ctr"/>
+            <a:r>
+              <a:rPr lang="de-DE" sz="1600" dirty="0" smtClean="0"/>
+              <a:t>Abspeichern</a:t>
+            </a:r>
+            <a:endParaRPr lang="de-DE" sz="1600" dirty="0"/>
+          </a:p>
+        </p:txBody>
+      </p:sp>
+      <p:cxnSp>
+        <p:nvCxnSpPr>
+          <p:cNvPr id="179" name="Gerade Verbindung mit Pfeil 178"/>
+          <p:cNvCxnSpPr>
+            <a:stCxn id="126" idx="2"/>
+            <a:endCxn id="178" idx="0"/>
+          </p:cNvCxnSpPr>
+          <p:nvPr/>
+        </p:nvCxnSpPr>
+        <p:spPr>
+          <a:xfrm rot="16200000" flipH="1">
+            <a:off x="2681748" y="19937717"/>
+            <a:ext cx="772160" cy="12725"/>
           </a:xfrm>
           <a:prstGeom prst="straightConnector1">
             <a:avLst/>
@@ -4405,835 +4725,6 @@
           </a:fontRef>
         </p:style>
       </p:cxnSp>
-      <p:sp>
-        <p:nvSpPr>
-          <p:cNvPr id="99" name="Abgerundetes Rechteck 98"/>
-          <p:cNvSpPr/>
-          <p:nvPr/>
-        </p:nvSpPr>
-        <p:spPr>
-          <a:xfrm>
-            <a:off x="2316480" y="7872186"/>
-            <a:ext cx="1381759" cy="798237"/>
-          </a:xfrm>
-          <a:prstGeom prst="roundRect">
-            <a:avLst/>
-          </a:prstGeom>
-        </p:spPr>
-        <p:style>
-          <a:lnRef idx="2">
-            <a:schemeClr val="dk1"/>
-          </a:lnRef>
-          <a:fillRef idx="1">
-            <a:schemeClr val="lt1"/>
-          </a:fillRef>
-          <a:effectRef idx="0">
-            <a:schemeClr val="dk1"/>
-          </a:effectRef>
-          <a:fontRef idx="minor">
-            <a:schemeClr val="dk1"/>
-          </a:fontRef>
-        </p:style>
-        <p:txBody>
-          <a:bodyPr rtlCol="0" anchor="ctr"/>
-          <a:lstStyle/>
-          <a:p>
-            <a:pPr algn="ctr"/>
-            <a:r>
-              <a:rPr lang="de-DE" sz="1600" dirty="0" smtClean="0"/>
-              <a:t>Einladung versenden</a:t>
-            </a:r>
-            <a:endParaRPr lang="de-DE" sz="1600" dirty="0"/>
-          </a:p>
-        </p:txBody>
-      </p:sp>
-      <p:sp>
-        <p:nvSpPr>
-          <p:cNvPr id="111" name="Abgerundetes Rechteck 110"/>
-          <p:cNvSpPr/>
-          <p:nvPr/>
-        </p:nvSpPr>
-        <p:spPr>
-          <a:xfrm>
-            <a:off x="2930874" y="10995005"/>
-            <a:ext cx="1235152" cy="430621"/>
-          </a:xfrm>
-          <a:prstGeom prst="roundRect">
-            <a:avLst/>
-          </a:prstGeom>
-        </p:spPr>
-        <p:style>
-          <a:lnRef idx="2">
-            <a:schemeClr val="dk1"/>
-          </a:lnRef>
-          <a:fillRef idx="1">
-            <a:schemeClr val="lt1"/>
-          </a:fillRef>
-          <a:effectRef idx="0">
-            <a:schemeClr val="dk1"/>
-          </a:effectRef>
-          <a:fontRef idx="minor">
-            <a:schemeClr val="dk1"/>
-          </a:fontRef>
-        </p:style>
-        <p:txBody>
-          <a:bodyPr rtlCol="0" anchor="ctr"/>
-          <a:lstStyle/>
-          <a:p>
-            <a:pPr algn="ctr"/>
-            <a:r>
-              <a:rPr lang="de-DE" dirty="0" smtClean="0"/>
-              <a:t>Aussetzen</a:t>
-            </a:r>
-            <a:endParaRPr lang="de-DE" dirty="0"/>
-          </a:p>
-        </p:txBody>
-      </p:sp>
-      <p:sp>
-        <p:nvSpPr>
-          <p:cNvPr id="118" name="Raute 117"/>
-          <p:cNvSpPr/>
-          <p:nvPr/>
-        </p:nvSpPr>
-        <p:spPr>
-          <a:xfrm>
-            <a:off x="2530180" y="17687920"/>
-            <a:ext cx="566352" cy="727578"/>
-          </a:xfrm>
-          <a:prstGeom prst="diamond">
-            <a:avLst/>
-          </a:prstGeom>
-        </p:spPr>
-        <p:style>
-          <a:lnRef idx="2">
-            <a:schemeClr val="dk1"/>
-          </a:lnRef>
-          <a:fillRef idx="1">
-            <a:schemeClr val="lt1"/>
-          </a:fillRef>
-          <a:effectRef idx="0">
-            <a:schemeClr val="dk1"/>
-          </a:effectRef>
-          <a:fontRef idx="minor">
-            <a:schemeClr val="dk1"/>
-          </a:fontRef>
-        </p:style>
-        <p:txBody>
-          <a:bodyPr rtlCol="0" anchor="ctr"/>
-          <a:lstStyle/>
-          <a:p>
-            <a:pPr algn="ctr"/>
-            <a:endParaRPr lang="de-DE"/>
-          </a:p>
-        </p:txBody>
-      </p:sp>
-      <p:sp>
-        <p:nvSpPr>
-          <p:cNvPr id="126" name="Abgerundetes Rechteck 125"/>
-          <p:cNvSpPr/>
-          <p:nvPr/>
-        </p:nvSpPr>
-        <p:spPr>
-          <a:xfrm>
-            <a:off x="3227332" y="18886689"/>
-            <a:ext cx="977291" cy="798237"/>
-          </a:xfrm>
-          <a:prstGeom prst="roundRect">
-            <a:avLst/>
-          </a:prstGeom>
-        </p:spPr>
-        <p:style>
-          <a:lnRef idx="2">
-            <a:schemeClr val="dk1"/>
-          </a:lnRef>
-          <a:fillRef idx="1">
-            <a:schemeClr val="lt1"/>
-          </a:fillRef>
-          <a:effectRef idx="0">
-            <a:schemeClr val="dk1"/>
-          </a:effectRef>
-          <a:fontRef idx="minor">
-            <a:schemeClr val="dk1"/>
-          </a:fontRef>
-        </p:style>
-        <p:txBody>
-          <a:bodyPr rtlCol="0" anchor="ctr"/>
-          <a:lstStyle/>
-          <a:p>
-            <a:pPr algn="ctr"/>
-            <a:r>
-              <a:rPr lang="de-DE" dirty="0" smtClean="0"/>
-              <a:t>Farbe wählen</a:t>
-            </a:r>
-            <a:endParaRPr lang="de-DE" dirty="0"/>
-          </a:p>
-        </p:txBody>
-      </p:sp>
-      <p:cxnSp>
-        <p:nvCxnSpPr>
-          <p:cNvPr id="127" name="Gewinkelter Verbinder 126"/>
-          <p:cNvCxnSpPr>
-            <a:stCxn id="118" idx="3"/>
-            <a:endCxn id="126" idx="0"/>
-          </p:cNvCxnSpPr>
-          <p:nvPr/>
-        </p:nvCxnSpPr>
-        <p:spPr>
-          <a:xfrm>
-            <a:off x="3096532" y="18051709"/>
-            <a:ext cx="619446" cy="834980"/>
-          </a:xfrm>
-          <a:prstGeom prst="bentConnector2">
-            <a:avLst/>
-          </a:prstGeom>
-          <a:ln>
-            <a:tailEnd type="arrow"/>
-          </a:ln>
-        </p:spPr>
-        <p:style>
-          <a:lnRef idx="1">
-            <a:schemeClr val="dk1"/>
-          </a:lnRef>
-          <a:fillRef idx="0">
-            <a:schemeClr val="dk1"/>
-          </a:fillRef>
-          <a:effectRef idx="0">
-            <a:schemeClr val="dk1"/>
-          </a:effectRef>
-          <a:fontRef idx="minor">
-            <a:schemeClr val="tx1"/>
-          </a:fontRef>
-        </p:style>
-      </p:cxnSp>
-      <p:cxnSp>
-        <p:nvCxnSpPr>
-          <p:cNvPr id="130" name="Gewinkelter Verbinder 129"/>
-          <p:cNvCxnSpPr>
-            <a:stCxn id="118" idx="1"/>
-            <a:endCxn id="165" idx="1"/>
-          </p:cNvCxnSpPr>
-          <p:nvPr/>
-        </p:nvCxnSpPr>
-        <p:spPr>
-          <a:xfrm rot="10800000" flipH="1" flipV="1">
-            <a:off x="2530180" y="18051709"/>
-            <a:ext cx="10414" cy="2345906"/>
-          </a:xfrm>
-          <a:prstGeom prst="bentConnector3">
-            <a:avLst>
-              <a:gd name="adj1" fmla="val -2195122"/>
-            </a:avLst>
-          </a:prstGeom>
-          <a:ln>
-            <a:tailEnd type="arrow"/>
-          </a:ln>
-        </p:spPr>
-        <p:style>
-          <a:lnRef idx="1">
-            <a:schemeClr val="dk1"/>
-          </a:lnRef>
-          <a:fillRef idx="0">
-            <a:schemeClr val="dk1"/>
-          </a:fillRef>
-          <a:effectRef idx="0">
-            <a:schemeClr val="dk1"/>
-          </a:effectRef>
-          <a:fontRef idx="minor">
-            <a:schemeClr val="tx1"/>
-          </a:fontRef>
-        </p:style>
-      </p:cxnSp>
-      <p:sp>
-        <p:nvSpPr>
-          <p:cNvPr id="134" name="Abgerundetes Rechteck 133"/>
-          <p:cNvSpPr/>
-          <p:nvPr/>
-        </p:nvSpPr>
-        <p:spPr>
-          <a:xfrm>
-            <a:off x="5521811" y="9286209"/>
-            <a:ext cx="1211480" cy="544983"/>
-          </a:xfrm>
-          <a:prstGeom prst="roundRect">
-            <a:avLst/>
-          </a:prstGeom>
-        </p:spPr>
-        <p:style>
-          <a:lnRef idx="2">
-            <a:schemeClr val="dk1"/>
-          </a:lnRef>
-          <a:fillRef idx="1">
-            <a:schemeClr val="lt1"/>
-          </a:fillRef>
-          <a:effectRef idx="0">
-            <a:schemeClr val="dk1"/>
-          </a:effectRef>
-          <a:fontRef idx="minor">
-            <a:schemeClr val="dk1"/>
-          </a:fontRef>
-        </p:style>
-        <p:txBody>
-          <a:bodyPr rtlCol="0" anchor="ctr"/>
-          <a:lstStyle/>
-          <a:p>
-            <a:pPr algn="ctr"/>
-            <a:r>
-              <a:rPr lang="de-DE" sz="1600" dirty="0" smtClean="0"/>
-              <a:t>Termin erhalten</a:t>
-            </a:r>
-            <a:endParaRPr lang="de-DE" sz="1600" dirty="0"/>
-          </a:p>
-        </p:txBody>
-      </p:sp>
-      <p:cxnSp>
-        <p:nvCxnSpPr>
-          <p:cNvPr id="139" name="Gewinkelter Verbinder 138"/>
-          <p:cNvCxnSpPr>
-            <a:stCxn id="39" idx="2"/>
-            <a:endCxn id="118" idx="0"/>
-          </p:cNvCxnSpPr>
-          <p:nvPr/>
-        </p:nvCxnSpPr>
-        <p:spPr>
-          <a:xfrm rot="5400000">
-            <a:off x="4254987" y="15695443"/>
-            <a:ext cx="550846" cy="3434108"/>
-          </a:xfrm>
-          <a:prstGeom prst="bentConnector3">
-            <a:avLst>
-              <a:gd name="adj1" fmla="val 50000"/>
-            </a:avLst>
-          </a:prstGeom>
-          <a:ln>
-            <a:tailEnd type="arrow"/>
-          </a:ln>
-        </p:spPr>
-        <p:style>
-          <a:lnRef idx="1">
-            <a:schemeClr val="dk1"/>
-          </a:lnRef>
-          <a:fillRef idx="0">
-            <a:schemeClr val="dk1"/>
-          </a:fillRef>
-          <a:effectRef idx="0">
-            <a:schemeClr val="dk1"/>
-          </a:effectRef>
-          <a:fontRef idx="minor">
-            <a:schemeClr val="tx1"/>
-          </a:fontRef>
-        </p:style>
-      </p:cxnSp>
-      <p:sp>
-        <p:nvSpPr>
-          <p:cNvPr id="146" name="Raute 145"/>
-          <p:cNvSpPr/>
-          <p:nvPr/>
-        </p:nvSpPr>
-        <p:spPr>
-          <a:xfrm>
-            <a:off x="2542103" y="12338432"/>
-            <a:ext cx="566352" cy="727578"/>
-          </a:xfrm>
-          <a:prstGeom prst="diamond">
-            <a:avLst/>
-          </a:prstGeom>
-        </p:spPr>
-        <p:style>
-          <a:lnRef idx="2">
-            <a:schemeClr val="dk1"/>
-          </a:lnRef>
-          <a:fillRef idx="1">
-            <a:schemeClr val="lt1"/>
-          </a:fillRef>
-          <a:effectRef idx="0">
-            <a:schemeClr val="dk1"/>
-          </a:effectRef>
-          <a:fontRef idx="minor">
-            <a:schemeClr val="dk1"/>
-          </a:fontRef>
-        </p:style>
-        <p:txBody>
-          <a:bodyPr rtlCol="0" anchor="ctr"/>
-          <a:lstStyle/>
-          <a:p>
-            <a:pPr algn="ctr"/>
-            <a:endParaRPr lang="de-DE"/>
-          </a:p>
-        </p:txBody>
-      </p:sp>
-      <p:sp>
-        <p:nvSpPr>
-          <p:cNvPr id="150" name="Raute 149"/>
-          <p:cNvSpPr/>
-          <p:nvPr/>
-        </p:nvSpPr>
-        <p:spPr>
-          <a:xfrm>
-            <a:off x="2541646" y="13400999"/>
-            <a:ext cx="566352" cy="727578"/>
-          </a:xfrm>
-          <a:prstGeom prst="diamond">
-            <a:avLst/>
-          </a:prstGeom>
-        </p:spPr>
-        <p:style>
-          <a:lnRef idx="2">
-            <a:schemeClr val="dk1"/>
-          </a:lnRef>
-          <a:fillRef idx="1">
-            <a:schemeClr val="lt1"/>
-          </a:fillRef>
-          <a:effectRef idx="0">
-            <a:schemeClr val="dk1"/>
-          </a:effectRef>
-          <a:fontRef idx="minor">
-            <a:schemeClr val="dk1"/>
-          </a:fontRef>
-        </p:style>
-        <p:txBody>
-          <a:bodyPr rtlCol="0" anchor="ctr"/>
-          <a:lstStyle/>
-          <a:p>
-            <a:pPr algn="ctr"/>
-            <a:endParaRPr lang="de-DE"/>
-          </a:p>
-        </p:txBody>
-      </p:sp>
-      <p:cxnSp>
-        <p:nvCxnSpPr>
-          <p:cNvPr id="152" name="Gerade Verbindung mit Pfeil 151"/>
-          <p:cNvCxnSpPr>
-            <a:stCxn id="146" idx="2"/>
-            <a:endCxn id="150" idx="0"/>
-          </p:cNvCxnSpPr>
-          <p:nvPr/>
-        </p:nvCxnSpPr>
-        <p:spPr>
-          <a:xfrm flipH="1">
-            <a:off x="2824822" y="13066010"/>
-            <a:ext cx="457" cy="334989"/>
-          </a:xfrm>
-          <a:prstGeom prst="straightConnector1">
-            <a:avLst/>
-          </a:prstGeom>
-          <a:ln>
-            <a:tailEnd type="arrow"/>
-          </a:ln>
-        </p:spPr>
-        <p:style>
-          <a:lnRef idx="1">
-            <a:schemeClr val="dk1"/>
-          </a:lnRef>
-          <a:fillRef idx="0">
-            <a:schemeClr val="dk1"/>
-          </a:fillRef>
-          <a:effectRef idx="0">
-            <a:schemeClr val="dk1"/>
-          </a:effectRef>
-          <a:fontRef idx="minor">
-            <a:schemeClr val="tx1"/>
-          </a:fontRef>
-        </p:style>
-      </p:cxnSp>
-      <p:cxnSp>
-        <p:nvCxnSpPr>
-          <p:cNvPr id="154" name="Gerade Verbindung mit Pfeil 153"/>
-          <p:cNvCxnSpPr>
-            <a:stCxn id="150" idx="2"/>
-            <a:endCxn id="37" idx="0"/>
-          </p:cNvCxnSpPr>
-          <p:nvPr/>
-        </p:nvCxnSpPr>
-        <p:spPr>
-          <a:xfrm flipH="1">
-            <a:off x="2823770" y="14128577"/>
-            <a:ext cx="1052" cy="443176"/>
-          </a:xfrm>
-          <a:prstGeom prst="straightConnector1">
-            <a:avLst/>
-          </a:prstGeom>
-          <a:ln>
-            <a:tailEnd type="arrow"/>
-          </a:ln>
-        </p:spPr>
-        <p:style>
-          <a:lnRef idx="1">
-            <a:schemeClr val="dk1"/>
-          </a:lnRef>
-          <a:fillRef idx="0">
-            <a:schemeClr val="dk1"/>
-          </a:fillRef>
-          <a:effectRef idx="0">
-            <a:schemeClr val="dk1"/>
-          </a:effectRef>
-          <a:fontRef idx="minor">
-            <a:schemeClr val="tx1"/>
-          </a:fontRef>
-        </p:style>
-      </p:cxnSp>
-      <p:sp>
-        <p:nvSpPr>
-          <p:cNvPr id="163" name="Textfeld 162"/>
-          <p:cNvSpPr txBox="1"/>
-          <p:nvPr/>
-        </p:nvSpPr>
-        <p:spPr>
-          <a:xfrm>
-            <a:off x="3054725" y="17724335"/>
-            <a:ext cx="1335924" cy="307777"/>
-          </a:xfrm>
-          <a:prstGeom prst="rect">
-            <a:avLst/>
-          </a:prstGeom>
-          <a:noFill/>
-        </p:spPr>
-        <p:txBody>
-          <a:bodyPr wrap="square" rtlCol="0">
-            <a:spAutoFit/>
-          </a:bodyPr>
-          <a:lstStyle/>
-          <a:p>
-            <a:r>
-              <a:rPr lang="de-DE" sz="1400" dirty="0" smtClean="0"/>
-              <a:t>[Karte == Bube]</a:t>
-            </a:r>
-            <a:endParaRPr lang="de-DE" sz="1400" dirty="0"/>
-          </a:p>
-        </p:txBody>
-      </p:sp>
-      <p:sp>
-        <p:nvSpPr>
-          <p:cNvPr id="164" name="Textfeld 163"/>
-          <p:cNvSpPr txBox="1"/>
-          <p:nvPr/>
-        </p:nvSpPr>
-        <p:spPr>
-          <a:xfrm>
-            <a:off x="2051758" y="17724335"/>
-            <a:ext cx="1239533" cy="307777"/>
-          </a:xfrm>
-          <a:prstGeom prst="rect">
-            <a:avLst/>
-          </a:prstGeom>
-          <a:noFill/>
-        </p:spPr>
-        <p:txBody>
-          <a:bodyPr wrap="square" rtlCol="0">
-            <a:spAutoFit/>
-          </a:bodyPr>
-          <a:lstStyle/>
-          <a:p>
-            <a:r>
-              <a:rPr lang="de-DE" sz="1400" dirty="0" smtClean="0"/>
-              <a:t>[else]</a:t>
-            </a:r>
-            <a:endParaRPr lang="de-DE" sz="1400" dirty="0"/>
-          </a:p>
-        </p:txBody>
-      </p:sp>
-      <p:sp>
-        <p:nvSpPr>
-          <p:cNvPr id="165" name="Raute 164"/>
-          <p:cNvSpPr/>
-          <p:nvPr/>
-        </p:nvSpPr>
-        <p:spPr>
-          <a:xfrm>
-            <a:off x="2540594" y="20033826"/>
-            <a:ext cx="566352" cy="727578"/>
-          </a:xfrm>
-          <a:prstGeom prst="diamond">
-            <a:avLst/>
-          </a:prstGeom>
-        </p:spPr>
-        <p:style>
-          <a:lnRef idx="2">
-            <a:schemeClr val="dk1"/>
-          </a:lnRef>
-          <a:fillRef idx="1">
-            <a:schemeClr val="lt1"/>
-          </a:fillRef>
-          <a:effectRef idx="0">
-            <a:schemeClr val="dk1"/>
-          </a:effectRef>
-          <a:fontRef idx="minor">
-            <a:schemeClr val="dk1"/>
-          </a:fontRef>
-        </p:style>
-        <p:txBody>
-          <a:bodyPr rtlCol="0" anchor="ctr"/>
-          <a:lstStyle/>
-          <a:p>
-            <a:pPr algn="ctr"/>
-            <a:endParaRPr lang="de-DE"/>
-          </a:p>
-        </p:txBody>
-      </p:sp>
-      <p:cxnSp>
-        <p:nvCxnSpPr>
-          <p:cNvPr id="171" name="Gewinkelter Verbinder 170"/>
-          <p:cNvCxnSpPr>
-            <a:stCxn id="126" idx="2"/>
-            <a:endCxn id="165" idx="3"/>
-          </p:cNvCxnSpPr>
-          <p:nvPr/>
-        </p:nvCxnSpPr>
-        <p:spPr>
-          <a:xfrm rot="5400000">
-            <a:off x="3055118" y="19736754"/>
-            <a:ext cx="712689" cy="609032"/>
-          </a:xfrm>
-          <a:prstGeom prst="bentConnector2">
-            <a:avLst/>
-          </a:prstGeom>
-          <a:ln>
-            <a:tailEnd type="arrow"/>
-          </a:ln>
-        </p:spPr>
-        <p:style>
-          <a:lnRef idx="1">
-            <a:schemeClr val="dk1"/>
-          </a:lnRef>
-          <a:fillRef idx="0">
-            <a:schemeClr val="dk1"/>
-          </a:fillRef>
-          <a:effectRef idx="0">
-            <a:schemeClr val="dk1"/>
-          </a:effectRef>
-          <a:fontRef idx="minor">
-            <a:schemeClr val="tx1"/>
-          </a:fontRef>
-        </p:style>
-      </p:cxnSp>
-      <p:cxnSp>
-        <p:nvCxnSpPr>
-          <p:cNvPr id="173" name="Gewinkelter Verbinder 172"/>
-          <p:cNvCxnSpPr/>
-          <p:nvPr/>
-        </p:nvCxnSpPr>
-        <p:spPr>
-          <a:xfrm>
-            <a:off x="4307839" y="8007145"/>
-            <a:ext cx="1854052" cy="1978276"/>
-          </a:xfrm>
-          <a:prstGeom prst="bentConnector3">
-            <a:avLst>
-              <a:gd name="adj1" fmla="val 50000"/>
-            </a:avLst>
-          </a:prstGeom>
-          <a:ln>
-            <a:tailEnd type="arrow"/>
-          </a:ln>
-        </p:spPr>
-        <p:style>
-          <a:lnRef idx="1">
-            <a:schemeClr val="dk1"/>
-          </a:lnRef>
-          <a:fillRef idx="0">
-            <a:schemeClr val="dk1"/>
-          </a:fillRef>
-          <a:effectRef idx="0">
-            <a:schemeClr val="dk1"/>
-          </a:effectRef>
-          <a:fontRef idx="minor">
-            <a:schemeClr val="tx1"/>
-          </a:fontRef>
-        </p:style>
-      </p:cxnSp>
-      <p:cxnSp>
-        <p:nvCxnSpPr>
-          <p:cNvPr id="177" name="Gewinkelter Verbinder 176"/>
-          <p:cNvCxnSpPr>
-            <a:stCxn id="111" idx="2"/>
-            <a:endCxn id="146" idx="3"/>
-          </p:cNvCxnSpPr>
-          <p:nvPr/>
-        </p:nvCxnSpPr>
-        <p:spPr>
-          <a:xfrm rot="5400000">
-            <a:off x="2690156" y="11843926"/>
-            <a:ext cx="1276595" cy="439995"/>
-          </a:xfrm>
-          <a:prstGeom prst="bentConnector2">
-            <a:avLst/>
-          </a:prstGeom>
-          <a:ln>
-            <a:tailEnd type="arrow"/>
-          </a:ln>
-        </p:spPr>
-        <p:style>
-          <a:lnRef idx="1">
-            <a:schemeClr val="dk1"/>
-          </a:lnRef>
-          <a:fillRef idx="0">
-            <a:schemeClr val="dk1"/>
-          </a:fillRef>
-          <a:effectRef idx="0">
-            <a:schemeClr val="dk1"/>
-          </a:effectRef>
-          <a:fontRef idx="minor">
-            <a:schemeClr val="tx1"/>
-          </a:fontRef>
-        </p:style>
-      </p:cxnSp>
-      <p:sp>
-        <p:nvSpPr>
-          <p:cNvPr id="178" name="Abgerundetes Rechteck 177"/>
-          <p:cNvSpPr/>
-          <p:nvPr/>
-        </p:nvSpPr>
-        <p:spPr>
-          <a:xfrm>
-            <a:off x="2338382" y="21710340"/>
-            <a:ext cx="977291" cy="1353798"/>
-          </a:xfrm>
-          <a:prstGeom prst="roundRect">
-            <a:avLst/>
-          </a:prstGeom>
-        </p:spPr>
-        <p:style>
-          <a:lnRef idx="2">
-            <a:schemeClr val="dk1"/>
-          </a:lnRef>
-          <a:fillRef idx="1">
-            <a:schemeClr val="lt1"/>
-          </a:fillRef>
-          <a:effectRef idx="0">
-            <a:schemeClr val="dk1"/>
-          </a:effectRef>
-          <a:fontRef idx="minor">
-            <a:schemeClr val="dk1"/>
-          </a:fontRef>
-        </p:style>
-        <p:txBody>
-          <a:bodyPr rtlCol="0" anchor="ctr"/>
-          <a:lstStyle/>
-          <a:p>
-            <a:pPr algn="ctr"/>
-            <a:r>
-              <a:rPr lang="de-DE" dirty="0" smtClean="0"/>
-              <a:t>Karten auf der hand zählen</a:t>
-            </a:r>
-            <a:endParaRPr lang="de-DE" dirty="0"/>
-          </a:p>
-        </p:txBody>
-      </p:sp>
-      <p:cxnSp>
-        <p:nvCxnSpPr>
-          <p:cNvPr id="179" name="Gerade Verbindung mit Pfeil 178"/>
-          <p:cNvCxnSpPr>
-            <a:stCxn id="165" idx="2"/>
-            <a:endCxn id="178" idx="0"/>
-          </p:cNvCxnSpPr>
-          <p:nvPr/>
-        </p:nvCxnSpPr>
-        <p:spPr>
-          <a:xfrm>
-            <a:off x="2823770" y="20761404"/>
-            <a:ext cx="3258" cy="948936"/>
-          </a:xfrm>
-          <a:prstGeom prst="straightConnector1">
-            <a:avLst/>
-          </a:prstGeom>
-          <a:ln>
-            <a:solidFill>
-              <a:schemeClr val="tx1"/>
-            </a:solidFill>
-            <a:tailEnd type="arrow"/>
-          </a:ln>
-        </p:spPr>
-        <p:style>
-          <a:lnRef idx="1">
-            <a:schemeClr val="accent1"/>
-          </a:lnRef>
-          <a:fillRef idx="0">
-            <a:schemeClr val="accent1"/>
-          </a:fillRef>
-          <a:effectRef idx="0">
-            <a:schemeClr val="accent1"/>
-          </a:effectRef>
-          <a:fontRef idx="minor">
-            <a:schemeClr val="tx1"/>
-          </a:fontRef>
-        </p:style>
-      </p:cxnSp>
-      <p:sp>
-        <p:nvSpPr>
-          <p:cNvPr id="183" name="Raute 182"/>
-          <p:cNvSpPr/>
-          <p:nvPr/>
-        </p:nvSpPr>
-        <p:spPr>
-          <a:xfrm>
-            <a:off x="2538254" y="23453955"/>
-            <a:ext cx="566352" cy="727578"/>
-          </a:xfrm>
-          <a:prstGeom prst="diamond">
-            <a:avLst/>
-          </a:prstGeom>
-        </p:spPr>
-        <p:style>
-          <a:lnRef idx="2">
-            <a:schemeClr val="dk1"/>
-          </a:lnRef>
-          <a:fillRef idx="1">
-            <a:schemeClr val="lt1"/>
-          </a:fillRef>
-          <a:effectRef idx="0">
-            <a:schemeClr val="dk1"/>
-          </a:effectRef>
-          <a:fontRef idx="minor">
-            <a:schemeClr val="dk1"/>
-          </a:fontRef>
-        </p:style>
-        <p:txBody>
-          <a:bodyPr rtlCol="0" anchor="ctr"/>
-          <a:lstStyle/>
-          <a:p>
-            <a:pPr algn="ctr"/>
-            <a:endParaRPr lang="de-DE"/>
-          </a:p>
-        </p:txBody>
-      </p:sp>
-      <p:cxnSp>
-        <p:nvCxnSpPr>
-          <p:cNvPr id="184" name="Gerade Verbindung mit Pfeil 183"/>
-          <p:cNvCxnSpPr>
-            <a:stCxn id="178" idx="2"/>
-            <a:endCxn id="183" idx="0"/>
-          </p:cNvCxnSpPr>
-          <p:nvPr/>
-        </p:nvCxnSpPr>
-        <p:spPr>
-          <a:xfrm flipH="1">
-            <a:off x="2821430" y="23064138"/>
-            <a:ext cx="5598" cy="389817"/>
-          </a:xfrm>
-          <a:prstGeom prst="straightConnector1">
-            <a:avLst/>
-          </a:prstGeom>
-          <a:ln>
-            <a:solidFill>
-              <a:schemeClr val="tx1"/>
-            </a:solidFill>
-            <a:tailEnd type="triangle"/>
-          </a:ln>
-        </p:spPr>
-        <p:style>
-          <a:lnRef idx="1">
-            <a:schemeClr val="accent1"/>
-          </a:lnRef>
-          <a:fillRef idx="0">
-            <a:schemeClr val="accent1"/>
-          </a:fillRef>
-          <a:effectRef idx="0">
-            <a:schemeClr val="accent1"/>
-          </a:effectRef>
-          <a:fontRef idx="minor">
-            <a:schemeClr val="tx1"/>
-          </a:fontRef>
-        </p:style>
-      </p:cxnSp>
       <p:cxnSp>
         <p:nvCxnSpPr>
           <p:cNvPr id="190" name="Gerader Verbinder 189"/>
@@ -5467,16 +4958,16 @@
       </p:cxnSp>
       <p:sp>
         <p:nvSpPr>
-          <p:cNvPr id="197" name="Abgerundetes Rechteck 196"/>
+          <p:cNvPr id="251" name="Ellipse 250"/>
           <p:cNvSpPr/>
           <p:nvPr/>
         </p:nvSpPr>
         <p:spPr>
           <a:xfrm>
-            <a:off x="3243199" y="24624004"/>
-            <a:ext cx="977291" cy="798237"/>
-          </a:xfrm>
-          <a:prstGeom prst="roundRect">
+            <a:off x="2801681" y="22316708"/>
+            <a:ext cx="514693" cy="450376"/>
+          </a:xfrm>
+          <a:prstGeom prst="ellipse">
             <a:avLst/>
           </a:prstGeom>
         </p:spPr>
@@ -5499,394 +4990,6 @@
           <a:lstStyle/>
           <a:p>
             <a:pPr algn="ctr"/>
-            <a:r>
-              <a:rPr lang="de-DE" dirty="0" smtClean="0"/>
-              <a:t>Mau Sagen</a:t>
-            </a:r>
-            <a:endParaRPr lang="de-DE" dirty="0"/>
-          </a:p>
-        </p:txBody>
-      </p:sp>
-      <p:sp>
-        <p:nvSpPr>
-          <p:cNvPr id="198" name="Abgerundetes Rechteck 197"/>
-          <p:cNvSpPr/>
-          <p:nvPr/>
-        </p:nvSpPr>
-        <p:spPr>
-          <a:xfrm>
-            <a:off x="3106130" y="27210619"/>
-            <a:ext cx="1157921" cy="798237"/>
-          </a:xfrm>
-          <a:prstGeom prst="roundRect">
-            <a:avLst/>
-          </a:prstGeom>
-        </p:spPr>
-        <p:style>
-          <a:lnRef idx="2">
-            <a:schemeClr val="dk1"/>
-          </a:lnRef>
-          <a:fillRef idx="1">
-            <a:schemeClr val="lt1"/>
-          </a:fillRef>
-          <a:effectRef idx="0">
-            <a:schemeClr val="dk1"/>
-          </a:effectRef>
-          <a:fontRef idx="minor">
-            <a:schemeClr val="dk1"/>
-          </a:fontRef>
-        </p:style>
-        <p:txBody>
-          <a:bodyPr rtlCol="0" anchor="ctr"/>
-          <a:lstStyle/>
-          <a:p>
-            <a:pPr algn="ctr"/>
-            <a:r>
-              <a:rPr lang="de-DE" dirty="0" smtClean="0"/>
-              <a:t>MauMau Sagen</a:t>
-            </a:r>
-            <a:endParaRPr lang="de-DE" dirty="0"/>
-          </a:p>
-        </p:txBody>
-      </p:sp>
-      <p:sp>
-        <p:nvSpPr>
-          <p:cNvPr id="199" name="Raute 198"/>
-          <p:cNvSpPr/>
-          <p:nvPr/>
-        </p:nvSpPr>
-        <p:spPr>
-          <a:xfrm>
-            <a:off x="2549007" y="25824768"/>
-            <a:ext cx="566352" cy="727578"/>
-          </a:xfrm>
-          <a:prstGeom prst="diamond">
-            <a:avLst/>
-          </a:prstGeom>
-        </p:spPr>
-        <p:style>
-          <a:lnRef idx="2">
-            <a:schemeClr val="dk1"/>
-          </a:lnRef>
-          <a:fillRef idx="1">
-            <a:schemeClr val="lt1"/>
-          </a:fillRef>
-          <a:effectRef idx="0">
-            <a:schemeClr val="dk1"/>
-          </a:effectRef>
-          <a:fontRef idx="minor">
-            <a:schemeClr val="dk1"/>
-          </a:fontRef>
-        </p:style>
-        <p:txBody>
-          <a:bodyPr rtlCol="0" anchor="ctr"/>
-          <a:lstStyle/>
-          <a:p>
-            <a:pPr algn="ctr"/>
-            <a:endParaRPr lang="de-DE"/>
-          </a:p>
-        </p:txBody>
-      </p:sp>
-      <p:cxnSp>
-        <p:nvCxnSpPr>
-          <p:cNvPr id="201" name="Gewinkelter Verbinder 200"/>
-          <p:cNvCxnSpPr>
-            <a:stCxn id="183" idx="3"/>
-            <a:endCxn id="197" idx="0"/>
-          </p:cNvCxnSpPr>
-          <p:nvPr/>
-        </p:nvCxnSpPr>
-        <p:spPr>
-          <a:xfrm>
-            <a:off x="3104606" y="23817744"/>
-            <a:ext cx="627239" cy="806260"/>
-          </a:xfrm>
-          <a:prstGeom prst="bentConnector2">
-            <a:avLst/>
-          </a:prstGeom>
-          <a:ln>
-            <a:tailEnd type="arrow"/>
-          </a:ln>
-        </p:spPr>
-        <p:style>
-          <a:lnRef idx="1">
-            <a:schemeClr val="dk1"/>
-          </a:lnRef>
-          <a:fillRef idx="0">
-            <a:schemeClr val="dk1"/>
-          </a:fillRef>
-          <a:effectRef idx="0">
-            <a:schemeClr val="dk1"/>
-          </a:effectRef>
-          <a:fontRef idx="minor">
-            <a:schemeClr val="tx1"/>
-          </a:fontRef>
-        </p:style>
-      </p:cxnSp>
-      <p:cxnSp>
-        <p:nvCxnSpPr>
-          <p:cNvPr id="203" name="Gewinkelter Verbinder 202"/>
-          <p:cNvCxnSpPr>
-            <a:stCxn id="183" idx="1"/>
-            <a:endCxn id="199" idx="0"/>
-          </p:cNvCxnSpPr>
-          <p:nvPr/>
-        </p:nvCxnSpPr>
-        <p:spPr>
-          <a:xfrm rot="10800000" flipH="1" flipV="1">
-            <a:off x="2538253" y="23817744"/>
-            <a:ext cx="293929" cy="2007024"/>
-          </a:xfrm>
-          <a:prstGeom prst="bentConnector4">
-            <a:avLst>
-              <a:gd name="adj1" fmla="val -77774"/>
-              <a:gd name="adj2" fmla="val 59063"/>
-            </a:avLst>
-          </a:prstGeom>
-          <a:ln>
-            <a:tailEnd type="arrow"/>
-          </a:ln>
-        </p:spPr>
-        <p:style>
-          <a:lnRef idx="1">
-            <a:schemeClr val="dk1"/>
-          </a:lnRef>
-          <a:fillRef idx="0">
-            <a:schemeClr val="dk1"/>
-          </a:fillRef>
-          <a:effectRef idx="0">
-            <a:schemeClr val="dk1"/>
-          </a:effectRef>
-          <a:fontRef idx="minor">
-            <a:schemeClr val="tx1"/>
-          </a:fontRef>
-        </p:style>
-      </p:cxnSp>
-      <p:cxnSp>
-        <p:nvCxnSpPr>
-          <p:cNvPr id="225" name="Gerade Verbindung mit Pfeil 224"/>
-          <p:cNvCxnSpPr>
-            <a:stCxn id="197" idx="2"/>
-          </p:cNvCxnSpPr>
-          <p:nvPr/>
-        </p:nvCxnSpPr>
-        <p:spPr>
-          <a:xfrm flipH="1">
-            <a:off x="3017397" y="25422241"/>
-            <a:ext cx="714448" cy="618182"/>
-          </a:xfrm>
-          <a:prstGeom prst="straightConnector1">
-            <a:avLst/>
-          </a:prstGeom>
-          <a:ln>
-            <a:tailEnd type="arrow"/>
-          </a:ln>
-        </p:spPr>
-        <p:style>
-          <a:lnRef idx="1">
-            <a:schemeClr val="dk1"/>
-          </a:lnRef>
-          <a:fillRef idx="0">
-            <a:schemeClr val="dk1"/>
-          </a:fillRef>
-          <a:effectRef idx="0">
-            <a:schemeClr val="dk1"/>
-          </a:effectRef>
-          <a:fontRef idx="minor">
-            <a:schemeClr val="tx1"/>
-          </a:fontRef>
-        </p:style>
-      </p:cxnSp>
-      <p:sp>
-        <p:nvSpPr>
-          <p:cNvPr id="226" name="Textfeld 225"/>
-          <p:cNvSpPr txBox="1"/>
-          <p:nvPr/>
-        </p:nvSpPr>
-        <p:spPr>
-          <a:xfrm>
-            <a:off x="2056152" y="23568312"/>
-            <a:ext cx="1239533" cy="307777"/>
-          </a:xfrm>
-          <a:prstGeom prst="rect">
-            <a:avLst/>
-          </a:prstGeom>
-          <a:noFill/>
-        </p:spPr>
-        <p:txBody>
-          <a:bodyPr wrap="square" rtlCol="0">
-            <a:spAutoFit/>
-          </a:bodyPr>
-          <a:lstStyle/>
-          <a:p>
-            <a:r>
-              <a:rPr lang="de-DE" sz="1400" dirty="0" smtClean="0"/>
-              <a:t>[else]</a:t>
-            </a:r>
-            <a:endParaRPr lang="de-DE" sz="1400" dirty="0"/>
-          </a:p>
-        </p:txBody>
-      </p:sp>
-      <p:sp>
-        <p:nvSpPr>
-          <p:cNvPr id="229" name="Textfeld 228"/>
-          <p:cNvSpPr txBox="1"/>
-          <p:nvPr/>
-        </p:nvSpPr>
-        <p:spPr>
-          <a:xfrm>
-            <a:off x="3100901" y="23581243"/>
-            <a:ext cx="1508867" cy="307777"/>
-          </a:xfrm>
-          <a:prstGeom prst="rect">
-            <a:avLst/>
-          </a:prstGeom>
-          <a:noFill/>
-        </p:spPr>
-        <p:txBody>
-          <a:bodyPr wrap="square" rtlCol="0">
-            <a:spAutoFit/>
-          </a:bodyPr>
-          <a:lstStyle/>
-          <a:p>
-            <a:r>
-              <a:rPr lang="de-DE" sz="1400" dirty="0" smtClean="0"/>
-              <a:t>[Anz. Karte == 1]</a:t>
-            </a:r>
-            <a:endParaRPr lang="de-DE" sz="1400" dirty="0"/>
-          </a:p>
-        </p:txBody>
-      </p:sp>
-      <p:sp>
-        <p:nvSpPr>
-          <p:cNvPr id="236" name="Textfeld 235"/>
-          <p:cNvSpPr txBox="1"/>
-          <p:nvPr/>
-        </p:nvSpPr>
-        <p:spPr>
-          <a:xfrm>
-            <a:off x="2026917" y="26188557"/>
-            <a:ext cx="1239533" cy="307777"/>
-          </a:xfrm>
-          <a:prstGeom prst="rect">
-            <a:avLst/>
-          </a:prstGeom>
-          <a:noFill/>
-        </p:spPr>
-        <p:txBody>
-          <a:bodyPr wrap="square" rtlCol="0">
-            <a:spAutoFit/>
-          </a:bodyPr>
-          <a:lstStyle/>
-          <a:p>
-            <a:r>
-              <a:rPr lang="de-DE" sz="1400" dirty="0" smtClean="0"/>
-              <a:t>[Else]</a:t>
-            </a:r>
-            <a:endParaRPr lang="de-DE" sz="1400" dirty="0"/>
-          </a:p>
-        </p:txBody>
-      </p:sp>
-      <p:cxnSp>
-        <p:nvCxnSpPr>
-          <p:cNvPr id="237" name="Gewinkelter Verbinder 236"/>
-          <p:cNvCxnSpPr>
-            <a:stCxn id="199" idx="3"/>
-            <a:endCxn id="198" idx="0"/>
-          </p:cNvCxnSpPr>
-          <p:nvPr/>
-        </p:nvCxnSpPr>
-        <p:spPr>
-          <a:xfrm>
-            <a:off x="3115359" y="26188557"/>
-            <a:ext cx="569732" cy="1022062"/>
-          </a:xfrm>
-          <a:prstGeom prst="bentConnector2">
-            <a:avLst/>
-          </a:prstGeom>
-          <a:ln>
-            <a:tailEnd type="arrow"/>
-          </a:ln>
-        </p:spPr>
-        <p:style>
-          <a:lnRef idx="1">
-            <a:schemeClr val="dk1"/>
-          </a:lnRef>
-          <a:fillRef idx="0">
-            <a:schemeClr val="dk1"/>
-          </a:fillRef>
-          <a:effectRef idx="0">
-            <a:schemeClr val="dk1"/>
-          </a:effectRef>
-          <a:fontRef idx="minor">
-            <a:schemeClr val="tx1"/>
-          </a:fontRef>
-        </p:style>
-      </p:cxnSp>
-      <p:sp>
-        <p:nvSpPr>
-          <p:cNvPr id="242" name="Textfeld 241"/>
-          <p:cNvSpPr txBox="1"/>
-          <p:nvPr/>
-        </p:nvSpPr>
-        <p:spPr>
-          <a:xfrm>
-            <a:off x="3052883" y="25950863"/>
-            <a:ext cx="1450460" cy="307777"/>
-          </a:xfrm>
-          <a:prstGeom prst="rect">
-            <a:avLst/>
-          </a:prstGeom>
-          <a:noFill/>
-        </p:spPr>
-        <p:txBody>
-          <a:bodyPr wrap="square" rtlCol="0">
-            <a:spAutoFit/>
-          </a:bodyPr>
-          <a:lstStyle/>
-          <a:p>
-            <a:r>
-              <a:rPr lang="de-DE" sz="1400" dirty="0" smtClean="0"/>
-              <a:t>[Anz. Karte == 0]</a:t>
-            </a:r>
-            <a:endParaRPr lang="de-DE" sz="1400" dirty="0"/>
-          </a:p>
-        </p:txBody>
-      </p:sp>
-      <p:sp>
-        <p:nvSpPr>
-          <p:cNvPr id="251" name="Ellipse 250"/>
-          <p:cNvSpPr/>
-          <p:nvPr/>
-        </p:nvSpPr>
-        <p:spPr>
-          <a:xfrm>
-            <a:off x="3431601" y="28727668"/>
-            <a:ext cx="514693" cy="450376"/>
-          </a:xfrm>
-          <a:prstGeom prst="ellipse">
-            <a:avLst/>
-          </a:prstGeom>
-        </p:spPr>
-        <p:style>
-          <a:lnRef idx="2">
-            <a:schemeClr val="dk1"/>
-          </a:lnRef>
-          <a:fillRef idx="1">
-            <a:schemeClr val="lt1"/>
-          </a:fillRef>
-          <a:effectRef idx="0">
-            <a:schemeClr val="dk1"/>
-          </a:effectRef>
-          <a:fontRef idx="minor">
-            <a:schemeClr val="dk1"/>
-          </a:fontRef>
-        </p:style>
-        <p:txBody>
-          <a:bodyPr rtlCol="0" anchor="ctr"/>
-          <a:lstStyle/>
-          <a:p>
-            <a:pPr algn="ctr"/>
             <a:endParaRPr lang="de-DE"/>
           </a:p>
         </p:txBody>
@@ -5899,7 +5002,7 @@
         </p:nvSpPr>
         <p:spPr>
           <a:xfrm>
-            <a:off x="3575052" y="28840725"/>
+            <a:off x="2945132" y="22429765"/>
             <a:ext cx="213913" cy="224262"/>
           </a:xfrm>
           <a:prstGeom prst="ellipse">
@@ -5931,42 +5034,6 @@
           </a:p>
         </p:txBody>
       </p:sp>
-      <p:cxnSp>
-        <p:nvCxnSpPr>
-          <p:cNvPr id="254" name="Gerade Verbindung mit Pfeil 253"/>
-          <p:cNvCxnSpPr>
-            <a:stCxn id="198" idx="2"/>
-            <a:endCxn id="251" idx="0"/>
-          </p:cNvCxnSpPr>
-          <p:nvPr/>
-        </p:nvCxnSpPr>
-        <p:spPr>
-          <a:xfrm>
-            <a:off x="3685091" y="28008856"/>
-            <a:ext cx="3857" cy="718812"/>
-          </a:xfrm>
-          <a:prstGeom prst="straightConnector1">
-            <a:avLst/>
-          </a:prstGeom>
-          <a:ln>
-            <a:tailEnd type="arrow"/>
-          </a:ln>
-        </p:spPr>
-        <p:style>
-          <a:lnRef idx="1">
-            <a:schemeClr val="dk1"/>
-          </a:lnRef>
-          <a:fillRef idx="0">
-            <a:schemeClr val="dk1"/>
-          </a:fillRef>
-          <a:effectRef idx="0">
-            <a:schemeClr val="dk1"/>
-          </a:effectRef>
-          <a:fontRef idx="minor">
-            <a:schemeClr val="tx1"/>
-          </a:fontRef>
-        </p:style>
-      </p:cxnSp>
       <p:cxnSp>
         <p:nvCxnSpPr>
           <p:cNvPr id="267" name="Gerade Verbindung mit Pfeil 266"/>
@@ -6071,14 +5138,14 @@
           <p:cNvPr id="176" name="Gerade Verbindung mit Pfeil 175"/>
           <p:cNvCxnSpPr>
             <a:stCxn id="134" idx="2"/>
-            <a:endCxn id="35" idx="0"/>
+            <a:endCxn id="111" idx="0"/>
           </p:cNvCxnSpPr>
           <p:nvPr/>
         </p:nvCxnSpPr>
         <p:spPr>
           <a:xfrm rot="16200000" flipH="1">
-            <a:off x="5997963" y="9960779"/>
-            <a:ext cx="299923" cy="40747"/>
+            <a:off x="5913116" y="10543466"/>
+            <a:ext cx="562489" cy="11699"/>
           </a:xfrm>
           <a:prstGeom prst="straightConnector1">
             <a:avLst/>
@@ -6586,10 +5653,208 @@
           </a:fontRef>
         </p:style>
       </p:cxnSp>
+      <p:cxnSp>
+        <p:nvCxnSpPr>
+          <p:cNvPr id="131" name="Form 130"/>
+          <p:cNvCxnSpPr>
+            <a:stCxn id="111" idx="1"/>
+            <a:endCxn id="37" idx="0"/>
+          </p:cNvCxnSpPr>
+          <p:nvPr/>
+        </p:nvCxnSpPr>
+        <p:spPr>
+          <a:xfrm rot="10800000" flipV="1">
+            <a:off x="3019096" y="11097614"/>
+            <a:ext cx="2563539" cy="1124866"/>
+          </a:xfrm>
+          <a:prstGeom prst="bentConnector2">
+            <a:avLst/>
+          </a:prstGeom>
+          <a:ln>
+            <a:tailEnd type="arrow"/>
+          </a:ln>
+        </p:spPr>
+        <p:style>
+          <a:lnRef idx="1">
+            <a:schemeClr val="dk1"/>
+          </a:lnRef>
+          <a:fillRef idx="0">
+            <a:schemeClr val="dk1"/>
+          </a:fillRef>
+          <a:effectRef idx="0">
+            <a:schemeClr val="dk1"/>
+          </a:effectRef>
+          <a:fontRef idx="minor">
+            <a:schemeClr val="tx1"/>
+          </a:fontRef>
+        </p:style>
+      </p:cxnSp>
+      <p:sp>
+        <p:nvSpPr>
+          <p:cNvPr id="140" name="Abgerundetes Rechteck 139"/>
+          <p:cNvSpPr/>
+          <p:nvPr/>
+        </p:nvSpPr>
+        <p:spPr>
+          <a:xfrm>
+            <a:off x="2296160" y="14721841"/>
+            <a:ext cx="1473200" cy="628942"/>
+          </a:xfrm>
+          <a:prstGeom prst="roundRect">
+            <a:avLst/>
+          </a:prstGeom>
+        </p:spPr>
+        <p:style>
+          <a:lnRef idx="2">
+            <a:schemeClr val="dk1"/>
+          </a:lnRef>
+          <a:fillRef idx="1">
+            <a:schemeClr val="lt1"/>
+          </a:fillRef>
+          <a:effectRef idx="0">
+            <a:schemeClr val="dk1"/>
+          </a:effectRef>
+          <a:fontRef idx="minor">
+            <a:schemeClr val="dk1"/>
+          </a:fontRef>
+        </p:style>
+        <p:txBody>
+          <a:bodyPr rtlCol="0" anchor="ctr"/>
+          <a:lstStyle/>
+          <a:p>
+            <a:pPr algn="ctr"/>
+            <a:r>
+              <a:rPr lang="de-DE" sz="1400" dirty="0" smtClean="0"/>
+              <a:t>Beschlüsse Abstimmen</a:t>
+            </a:r>
+            <a:endParaRPr lang="de-DE" sz="1400" dirty="0"/>
+          </a:p>
+        </p:txBody>
+      </p:sp>
+      <p:cxnSp>
+        <p:nvCxnSpPr>
+          <p:cNvPr id="156" name="Gerade Verbindung mit Pfeil 155"/>
+          <p:cNvCxnSpPr>
+            <a:stCxn id="140" idx="3"/>
+            <a:endCxn id="39" idx="1"/>
+          </p:cNvCxnSpPr>
+          <p:nvPr/>
+        </p:nvCxnSpPr>
+        <p:spPr>
+          <a:xfrm>
+            <a:off x="3769360" y="15036312"/>
+            <a:ext cx="1841884" cy="9225"/>
+          </a:xfrm>
+          <a:prstGeom prst="straightConnector1">
+            <a:avLst/>
+          </a:prstGeom>
+          <a:ln>
+            <a:solidFill>
+              <a:schemeClr val="tx1"/>
+            </a:solidFill>
+            <a:tailEnd type="arrow"/>
+          </a:ln>
+        </p:spPr>
+        <p:style>
+          <a:lnRef idx="1">
+            <a:schemeClr val="accent1"/>
+          </a:lnRef>
+          <a:fillRef idx="0">
+            <a:schemeClr val="accent1"/>
+          </a:fillRef>
+          <a:effectRef idx="0">
+            <a:schemeClr val="accent1"/>
+          </a:effectRef>
+          <a:fontRef idx="minor">
+            <a:schemeClr val="tx1"/>
+          </a:fontRef>
+        </p:style>
+      </p:cxnSp>
+      <p:sp>
+        <p:nvSpPr>
+          <p:cNvPr id="160" name="Abgerundetes Rechteck 159"/>
+          <p:cNvSpPr/>
+          <p:nvPr/>
+        </p:nvSpPr>
+        <p:spPr>
+          <a:xfrm>
+            <a:off x="2431164" y="16936720"/>
+            <a:ext cx="1256916" cy="809954"/>
+          </a:xfrm>
+          <a:prstGeom prst="roundRect">
+            <a:avLst/>
+          </a:prstGeom>
+        </p:spPr>
+        <p:style>
+          <a:lnRef idx="2">
+            <a:schemeClr val="dk1"/>
+          </a:lnRef>
+          <a:fillRef idx="1">
+            <a:schemeClr val="lt1"/>
+          </a:fillRef>
+          <a:effectRef idx="0">
+            <a:schemeClr val="dk1"/>
+          </a:effectRef>
+          <a:fontRef idx="minor">
+            <a:schemeClr val="dk1"/>
+          </a:fontRef>
+        </p:style>
+        <p:txBody>
+          <a:bodyPr rtlCol="0" anchor="ctr"/>
+          <a:lstStyle/>
+          <a:p>
+            <a:pPr algn="ctr"/>
+            <a:r>
+              <a:rPr lang="de-DE" sz="1600" dirty="0" smtClean="0"/>
+              <a:t>Ergebnisse notieren</a:t>
+            </a:r>
+            <a:endParaRPr lang="de-DE" sz="1600" dirty="0"/>
+          </a:p>
+        </p:txBody>
+      </p:sp>
+      <p:cxnSp>
+        <p:nvCxnSpPr>
+          <p:cNvPr id="207" name="Gerade Verbindung mit Pfeil 206"/>
+          <p:cNvCxnSpPr>
+            <a:stCxn id="178" idx="2"/>
+            <a:endCxn id="251" idx="0"/>
+          </p:cNvCxnSpPr>
+          <p:nvPr/>
+        </p:nvCxnSpPr>
+        <p:spPr>
+          <a:xfrm rot="5400000">
+            <a:off x="2541165" y="21783682"/>
+            <a:ext cx="1050890" cy="15163"/>
+          </a:xfrm>
+          <a:prstGeom prst="straightConnector1">
+            <a:avLst/>
+          </a:prstGeom>
+          <a:ln>
+            <a:solidFill>
+              <a:schemeClr val="tx1"/>
+            </a:solidFill>
+            <a:tailEnd type="arrow"/>
+          </a:ln>
+        </p:spPr>
+        <p:style>
+          <a:lnRef idx="1">
+            <a:schemeClr val="accent1"/>
+          </a:lnRef>
+          <a:fillRef idx="0">
+            <a:schemeClr val="accent1"/>
+          </a:fillRef>
+          <a:effectRef idx="0">
+            <a:schemeClr val="accent1"/>
+          </a:effectRef>
+          <a:fontRef idx="minor">
+            <a:schemeClr val="tx1"/>
+          </a:fontRef>
+        </p:style>
+      </p:cxnSp>
     </p:spTree>
     <p:extLst>
       <p:ext uri="{BB962C8B-B14F-4D97-AF65-F5344CB8AC3E}">
-        <p14:creationId xmlns="" xmlns:p14="http://schemas.microsoft.com/office/powerpoint/2010/main" val="338992622"/>
+        <p14:creationId xmlns:p14="http://schemas.microsoft.com/office/powerpoint/2010/main" xmlns="" val="338992622"/>
       </p:ext>
     </p:extLst>
   </p:cSld>
@@ -6854,7 +6119,7 @@
   <a:extraClrSchemeLst/>
   <a:extLst>
     <a:ext uri="{05A4C25C-085E-4340-85A3-A5531E510DB2}">
-      <thm15:themeFamily xmlns="" xmlns:thm15="http://schemas.microsoft.com/office/thememl/2012/main" name="Office Theme" id="{62F939B6-93AF-4DB8-9C6B-D6C7DFDC589F}" vid="{4A3C46E8-61CC-4603-A589-7422A47A8E4A}"/>
+      <thm15:themeFamily xmlns:thm15="http://schemas.microsoft.com/office/thememl/2012/main" xmlns="" name="Office Theme" id="{62F939B6-93AF-4DB8-9C6B-D6C7DFDC589F}" vid="{4A3C46E8-61CC-4603-A589-7422A47A8E4A}"/>
     </a:ext>
   </a:extLst>
 </a:theme>
